--- a/0090_ber/rtl/schematic/stimulus.pptx
+++ b/0090_ber/rtl/schematic/stimulus.pptx
@@ -3421,7 +3421,7 @@
         </p:nvSpPr>
         <p:spPr>
           <a:xfrm>
-            <a:off x="1219200" y="304800"/>
+            <a:off x="609600" y="304800"/>
             <a:ext cx="1524000" cy="228600"/>
           </a:xfrm>
           <a:prstGeom prst="roundRect">
@@ -3479,7 +3479,7 @@
         </p:nvSpPr>
         <p:spPr>
           <a:xfrm>
-            <a:off x="1219200" y="21259800"/>
+            <a:off x="609600" y="21259800"/>
             <a:ext cx="228600" cy="152400"/>
           </a:xfrm>
           <a:prstGeom prst="homePlate">
@@ -3530,7 +3530,7 @@
         </p:nvCxnSpPr>
         <p:spPr>
           <a:xfrm flipV="1">
-            <a:off x="1524000" y="21259800"/>
+            <a:off x="914400" y="21259800"/>
             <a:ext cx="152400" cy="152400"/>
           </a:xfrm>
           <a:prstGeom prst="line">
@@ -3567,7 +3567,7 @@
         </p:nvSpPr>
         <p:spPr>
           <a:xfrm>
-            <a:off x="1524000" y="21183600"/>
+            <a:off x="914400" y="21183600"/>
             <a:ext cx="152400" cy="76200"/>
           </a:xfrm>
           <a:prstGeom prst="rect">
@@ -3620,7 +3620,7 @@
         </p:nvSpPr>
         <p:spPr>
           <a:xfrm>
-            <a:off x="1752600" y="21183600"/>
+            <a:off x="1143000" y="21183600"/>
             <a:ext cx="457200" cy="152400"/>
           </a:xfrm>
           <a:prstGeom prst="rect">
@@ -3674,8 +3674,8 @@
         </p:nvCxnSpPr>
         <p:spPr>
           <a:xfrm>
-            <a:off x="1447800" y="21336000"/>
-            <a:ext cx="6400800" cy="0"/>
+            <a:off x="838200" y="21336000"/>
+            <a:ext cx="7010400" cy="0"/>
           </a:xfrm>
           <a:prstGeom prst="line">
             <a:avLst/>
@@ -3711,7 +3711,7 @@
         </p:nvSpPr>
         <p:spPr>
           <a:xfrm>
-            <a:off x="3429000" y="21640812"/>
+            <a:off x="2819400" y="21640812"/>
             <a:ext cx="304800" cy="304793"/>
           </a:xfrm>
           <a:prstGeom prst="rect">
@@ -3757,7 +3757,7 @@
         </p:nvCxnSpPr>
         <p:spPr>
           <a:xfrm flipV="1">
-            <a:off x="3505201" y="21869366"/>
+            <a:off x="2895601" y="21869366"/>
             <a:ext cx="76200" cy="76200"/>
           </a:xfrm>
           <a:prstGeom prst="line">
@@ -3792,7 +3792,7 @@
         </p:nvCxnSpPr>
         <p:spPr>
           <a:xfrm flipH="1" flipV="1">
-            <a:off x="3581401" y="21869366"/>
+            <a:off x="2971801" y="21869366"/>
             <a:ext cx="76200" cy="76200"/>
           </a:xfrm>
           <a:prstGeom prst="line">
@@ -3827,7 +3827,7 @@
         </p:nvSpPr>
         <p:spPr>
           <a:xfrm>
-            <a:off x="3505200" y="21640773"/>
+            <a:off x="2895600" y="21640773"/>
             <a:ext cx="152400" cy="152400"/>
           </a:xfrm>
           <a:prstGeom prst="rect">
@@ -3880,7 +3880,7 @@
         </p:nvSpPr>
         <p:spPr>
           <a:xfrm>
-            <a:off x="3048000" y="21640793"/>
+            <a:off x="2438400" y="21640793"/>
             <a:ext cx="457200" cy="152400"/>
           </a:xfrm>
           <a:prstGeom prst="rect">
@@ -3932,7 +3932,7 @@
         </p:nvSpPr>
         <p:spPr>
           <a:xfrm>
-            <a:off x="3886200" y="21640793"/>
+            <a:off x="3276600" y="21640793"/>
             <a:ext cx="457200" cy="152400"/>
           </a:xfrm>
           <a:prstGeom prst="rect">
@@ -3984,7 +3984,7 @@
         </p:nvSpPr>
         <p:spPr>
           <a:xfrm>
-            <a:off x="1219200" y="21031200"/>
+            <a:off x="609600" y="21031200"/>
             <a:ext cx="228600" cy="152400"/>
           </a:xfrm>
           <a:prstGeom prst="homePlate">
@@ -4035,7 +4035,7 @@
         </p:nvCxnSpPr>
         <p:spPr>
           <a:xfrm flipV="1">
-            <a:off x="1524000" y="21031200"/>
+            <a:off x="914400" y="21031200"/>
             <a:ext cx="152400" cy="152400"/>
           </a:xfrm>
           <a:prstGeom prst="line">
@@ -4072,7 +4072,7 @@
         </p:nvSpPr>
         <p:spPr>
           <a:xfrm>
-            <a:off x="1524000" y="20955000"/>
+            <a:off x="914400" y="20955000"/>
             <a:ext cx="152400" cy="76200"/>
           </a:xfrm>
           <a:prstGeom prst="rect">
@@ -4125,7 +4125,7 @@
         </p:nvSpPr>
         <p:spPr>
           <a:xfrm>
-            <a:off x="1752600" y="20955000"/>
+            <a:off x="1143000" y="20955000"/>
             <a:ext cx="457200" cy="152400"/>
           </a:xfrm>
           <a:prstGeom prst="rect">
@@ -4179,8 +4179,8 @@
         </p:nvCxnSpPr>
         <p:spPr>
           <a:xfrm>
-            <a:off x="1447800" y="21107400"/>
-            <a:ext cx="6400800" cy="0"/>
+            <a:off x="838200" y="21107400"/>
+            <a:ext cx="7010400" cy="0"/>
           </a:xfrm>
           <a:prstGeom prst="line">
             <a:avLst/>
@@ -4216,7 +4216,7 @@
         </p:nvSpPr>
         <p:spPr>
           <a:xfrm>
-            <a:off x="3429000" y="22098019"/>
+            <a:off x="2819400" y="22098019"/>
             <a:ext cx="304800" cy="304793"/>
           </a:xfrm>
           <a:prstGeom prst="rect">
@@ -4262,7 +4262,7 @@
         </p:nvCxnSpPr>
         <p:spPr>
           <a:xfrm flipV="1">
-            <a:off x="3505201" y="22326573"/>
+            <a:off x="2895601" y="22326573"/>
             <a:ext cx="76200" cy="76200"/>
           </a:xfrm>
           <a:prstGeom prst="line">
@@ -4297,7 +4297,7 @@
         </p:nvCxnSpPr>
         <p:spPr>
           <a:xfrm flipH="1" flipV="1">
-            <a:off x="3581401" y="22326573"/>
+            <a:off x="2971801" y="22326573"/>
             <a:ext cx="76200" cy="76200"/>
           </a:xfrm>
           <a:prstGeom prst="line">
@@ -4332,7 +4332,7 @@
         </p:nvSpPr>
         <p:spPr>
           <a:xfrm>
-            <a:off x="3505200" y="22097980"/>
+            <a:off x="2895600" y="22097980"/>
             <a:ext cx="152400" cy="152400"/>
           </a:xfrm>
           <a:prstGeom prst="rect">
@@ -4385,7 +4385,7 @@
         </p:nvSpPr>
         <p:spPr>
           <a:xfrm>
-            <a:off x="3048000" y="22098000"/>
+            <a:off x="2438400" y="22098000"/>
             <a:ext cx="457200" cy="152400"/>
           </a:xfrm>
           <a:prstGeom prst="rect">
@@ -4437,7 +4437,7 @@
         </p:nvSpPr>
         <p:spPr>
           <a:xfrm>
-            <a:off x="3886200" y="22098000"/>
+            <a:off x="3276600" y="22098000"/>
             <a:ext cx="457200" cy="152400"/>
           </a:xfrm>
           <a:prstGeom prst="rect">
@@ -4776,13 +4776,6 @@
               </a:rPr>
               <a:t>31</a:t>
             </a:r>
-            <a:endParaRPr lang="en-US" sz="900" dirty="0">
-              <a:solidFill>
-                <a:srgbClr val="000000"/>
-              </a:solidFill>
-              <a:latin typeface="Courier New" panose="02070309020205020404" pitchFamily="49" charset="0"/>
-              <a:cs typeface="Courier New" panose="02070309020205020404" pitchFamily="49" charset="0"/>
-            </a:endParaRPr>
           </a:p>
         </p:txBody>
       </p:sp>
@@ -4886,13 +4879,6 @@
               </a:rPr>
               <a:t>NT_CTRL</a:t>
             </a:r>
-            <a:endParaRPr lang="en-US" sz="900" dirty="0">
-              <a:solidFill>
-                <a:srgbClr val="000000"/>
-              </a:solidFill>
-              <a:latin typeface="Courier New" panose="02070309020205020404" pitchFamily="49" charset="0"/>
-              <a:cs typeface="Courier New" panose="02070309020205020404" pitchFamily="49" charset="0"/>
-            </a:endParaRPr>
           </a:p>
         </p:txBody>
       </p:sp>
@@ -4904,7 +4890,7 @@
         </p:nvSpPr>
         <p:spPr>
           <a:xfrm rot="5400000">
-            <a:off x="7315200" y="381000"/>
+            <a:off x="6705600" y="381000"/>
             <a:ext cx="457200" cy="152400"/>
           </a:xfrm>
           <a:prstGeom prst="trapezoid">
@@ -4952,7 +4938,7 @@
         </p:nvSpPr>
         <p:spPr>
           <a:xfrm>
-            <a:off x="7467600" y="304800"/>
+            <a:off x="6858000" y="304800"/>
             <a:ext cx="152400" cy="152400"/>
           </a:xfrm>
           <a:prstGeom prst="rect">
@@ -5004,7 +4990,7 @@
         </p:nvSpPr>
         <p:spPr>
           <a:xfrm>
-            <a:off x="7467600" y="457200"/>
+            <a:off x="6858000" y="457200"/>
             <a:ext cx="152400" cy="152400"/>
           </a:xfrm>
           <a:prstGeom prst="rect">
@@ -5058,7 +5044,7 @@
         </p:nvCxnSpPr>
         <p:spPr>
           <a:xfrm flipH="1">
-            <a:off x="5105400" y="23012400"/>
+            <a:off x="4495800" y="23012400"/>
             <a:ext cx="1676400" cy="0"/>
           </a:xfrm>
           <a:prstGeom prst="line">
@@ -5095,7 +5081,7 @@
         </p:nvCxnSpPr>
         <p:spPr>
           <a:xfrm flipV="1">
-            <a:off x="6781800" y="609600"/>
+            <a:off x="6172200" y="609600"/>
             <a:ext cx="0" cy="23164800"/>
           </a:xfrm>
           <a:prstGeom prst="line">
@@ -5132,7 +5118,7 @@
         </p:nvCxnSpPr>
         <p:spPr>
           <a:xfrm flipV="1">
-            <a:off x="7543800" y="609600"/>
+            <a:off x="6934200" y="609600"/>
             <a:ext cx="0" cy="228600"/>
           </a:xfrm>
           <a:prstGeom prst="line">
@@ -5169,7 +5155,7 @@
         </p:nvCxnSpPr>
         <p:spPr>
           <a:xfrm flipV="1">
-            <a:off x="6781800" y="838200"/>
+            <a:off x="6172200" y="838200"/>
             <a:ext cx="76200" cy="76200"/>
           </a:xfrm>
           <a:prstGeom prst="line">
@@ -5206,7 +5192,7 @@
         </p:nvSpPr>
         <p:spPr>
           <a:xfrm>
-            <a:off x="3733800" y="22555200"/>
+            <a:off x="3124200" y="22555200"/>
             <a:ext cx="1371600" cy="1219200"/>
           </a:xfrm>
           <a:prstGeom prst="rect">
@@ -5268,7 +5254,7 @@
         </p:nvSpPr>
         <p:spPr>
           <a:xfrm>
-            <a:off x="3733800" y="22936200"/>
+            <a:off x="3124200" y="22936200"/>
             <a:ext cx="304800" cy="152400"/>
           </a:xfrm>
           <a:prstGeom prst="rect">
@@ -5320,7 +5306,7 @@
         </p:nvSpPr>
         <p:spPr>
           <a:xfrm>
-            <a:off x="4800600" y="22936200"/>
+            <a:off x="4191000" y="22936200"/>
             <a:ext cx="304800" cy="152400"/>
           </a:xfrm>
           <a:prstGeom prst="rect">
@@ -5380,7 +5366,7 @@
         </p:nvSpPr>
         <p:spPr>
           <a:xfrm>
-            <a:off x="3733800" y="22402800"/>
+            <a:off x="3124200" y="22402800"/>
             <a:ext cx="304800" cy="152400"/>
           </a:xfrm>
           <a:prstGeom prst="rect">
@@ -5421,13 +5407,6 @@
               </a:rPr>
               <a:t>(function)</a:t>
             </a:r>
-            <a:endParaRPr lang="en-US" sz="900" dirty="0">
-              <a:solidFill>
-                <a:srgbClr val="000000"/>
-              </a:solidFill>
-              <a:latin typeface="Courier New" panose="02070309020205020404" pitchFamily="49" charset="0"/>
-              <a:cs typeface="Courier New" panose="02070309020205020404" pitchFamily="49" charset="0"/>
-            </a:endParaRPr>
           </a:p>
         </p:txBody>
       </p:sp>
@@ -5439,7 +5418,7 @@
         </p:nvCxnSpPr>
         <p:spPr>
           <a:xfrm flipV="1">
-            <a:off x="5181600" y="22936200"/>
+            <a:off x="4572000" y="22936200"/>
             <a:ext cx="152400" cy="152400"/>
           </a:xfrm>
           <a:prstGeom prst="line">
@@ -5476,7 +5455,7 @@
         </p:nvSpPr>
         <p:spPr>
           <a:xfrm>
-            <a:off x="5181600" y="22860000"/>
+            <a:off x="4572000" y="22860000"/>
             <a:ext cx="152400" cy="76200"/>
           </a:xfrm>
           <a:prstGeom prst="rect">
@@ -5518,13 +5497,6 @@
               </a:rPr>
               <a:t>35</a:t>
             </a:r>
-            <a:endParaRPr lang="en-US" sz="900" dirty="0">
-              <a:solidFill>
-                <a:srgbClr val="000000"/>
-              </a:solidFill>
-              <a:latin typeface="Courier New" panose="02070309020205020404" pitchFamily="49" charset="0"/>
-              <a:cs typeface="Courier New" panose="02070309020205020404" pitchFamily="49" charset="0"/>
-            </a:endParaRPr>
           </a:p>
         </p:txBody>
       </p:sp>
@@ -5536,7 +5508,7 @@
         </p:nvSpPr>
         <p:spPr>
           <a:xfrm>
-            <a:off x="5486400" y="22860000"/>
+            <a:off x="4876800" y="22860000"/>
             <a:ext cx="304800" cy="152400"/>
           </a:xfrm>
           <a:prstGeom prst="rect">
@@ -5595,7 +5567,7 @@
         </p:nvSpPr>
         <p:spPr>
           <a:xfrm>
-            <a:off x="1219200" y="22936200"/>
+            <a:off x="609600" y="22936200"/>
             <a:ext cx="228600" cy="152400"/>
           </a:xfrm>
           <a:prstGeom prst="homePlate">
@@ -5646,7 +5618,7 @@
         </p:nvCxnSpPr>
         <p:spPr>
           <a:xfrm flipV="1">
-            <a:off x="1524000" y="22936200"/>
+            <a:off x="914400" y="22936200"/>
             <a:ext cx="152400" cy="152400"/>
           </a:xfrm>
           <a:prstGeom prst="line">
@@ -5683,7 +5655,7 @@
         </p:nvSpPr>
         <p:spPr>
           <a:xfrm>
-            <a:off x="1524000" y="22860000"/>
+            <a:off x="914400" y="22860000"/>
             <a:ext cx="152400" cy="76200"/>
           </a:xfrm>
           <a:prstGeom prst="rect">
@@ -5736,7 +5708,7 @@
         </p:nvSpPr>
         <p:spPr>
           <a:xfrm>
-            <a:off x="1752600" y="22860000"/>
+            <a:off x="1143000" y="22860000"/>
             <a:ext cx="457200" cy="152400"/>
           </a:xfrm>
           <a:prstGeom prst="rect">
@@ -5791,7 +5763,7 @@
         </p:nvCxnSpPr>
         <p:spPr>
           <a:xfrm>
-            <a:off x="1447800" y="23012400"/>
+            <a:off x="838200" y="23012400"/>
             <a:ext cx="2286000" cy="0"/>
           </a:xfrm>
           <a:prstGeom prst="line">
@@ -5828,7 +5800,7 @@
         </p:nvSpPr>
         <p:spPr>
           <a:xfrm>
-            <a:off x="1219200" y="23241000"/>
+            <a:off x="609600" y="23241000"/>
             <a:ext cx="228600" cy="152400"/>
           </a:xfrm>
           <a:prstGeom prst="homePlate">
@@ -5879,7 +5851,7 @@
         </p:nvCxnSpPr>
         <p:spPr>
           <a:xfrm flipV="1">
-            <a:off x="1524000" y="23241000"/>
+            <a:off x="914400" y="23241000"/>
             <a:ext cx="152400" cy="152400"/>
           </a:xfrm>
           <a:prstGeom prst="line">
@@ -5916,7 +5888,7 @@
         </p:nvSpPr>
         <p:spPr>
           <a:xfrm>
-            <a:off x="1524000" y="23164800"/>
+            <a:off x="914400" y="23164800"/>
             <a:ext cx="152400" cy="76200"/>
           </a:xfrm>
           <a:prstGeom prst="rect">
@@ -5969,7 +5941,7 @@
         </p:nvSpPr>
         <p:spPr>
           <a:xfrm>
-            <a:off x="1752600" y="23164800"/>
+            <a:off x="1143000" y="23164800"/>
             <a:ext cx="457200" cy="152400"/>
           </a:xfrm>
           <a:prstGeom prst="rect">
@@ -6023,7 +5995,7 @@
         </p:nvCxnSpPr>
         <p:spPr>
           <a:xfrm>
-            <a:off x="1447800" y="23317200"/>
+            <a:off x="838200" y="23317200"/>
             <a:ext cx="1600200" cy="0"/>
           </a:xfrm>
           <a:prstGeom prst="line">
@@ -6060,7 +6032,7 @@
         </p:nvCxnSpPr>
         <p:spPr>
           <a:xfrm flipV="1">
-            <a:off x="3048000" y="23088600"/>
+            <a:off x="2438400" y="23088600"/>
             <a:ext cx="0" cy="228600"/>
           </a:xfrm>
           <a:prstGeom prst="line">
@@ -6097,7 +6069,7 @@
         </p:nvCxnSpPr>
         <p:spPr>
           <a:xfrm flipV="1">
-            <a:off x="3048000" y="23012400"/>
+            <a:off x="2438400" y="23012400"/>
             <a:ext cx="76200" cy="76200"/>
           </a:xfrm>
           <a:prstGeom prst="line">
@@ -6171,7 +6143,7 @@
         </p:nvSpPr>
         <p:spPr>
           <a:xfrm>
-            <a:off x="1143000" y="685800"/>
+            <a:off x="533400" y="685800"/>
             <a:ext cx="457200" cy="152400"/>
           </a:xfrm>
           <a:prstGeom prst="rect">
@@ -6220,25 +6192,8 @@
                 <a:latin typeface="Courier New" panose="02070309020205020404" pitchFamily="49" charset="0"/>
                 <a:cs typeface="Courier New" panose="02070309020205020404" pitchFamily="49" charset="0"/>
               </a:rPr>
-              <a:t> UNABLE = </a:t>
-            </a:r>
-            <a:r>
-              <a:rPr lang="en-US" sz="900" dirty="0">
-                <a:solidFill>
-                  <a:srgbClr val="000000"/>
-                </a:solidFill>
-                <a:latin typeface="Courier New" panose="02070309020205020404" pitchFamily="49" charset="0"/>
-                <a:cs typeface="Courier New" panose="02070309020205020404" pitchFamily="49" charset="0"/>
-              </a:rPr>
-              <a:t>{30’d0, 1’b1};</a:t>
-            </a:r>
-            <a:endParaRPr lang="en-US" sz="900" dirty="0">
-              <a:solidFill>
-                <a:srgbClr val="000000"/>
-              </a:solidFill>
-              <a:latin typeface="Courier New" panose="02070309020205020404" pitchFamily="49" charset="0"/>
-              <a:cs typeface="Courier New" panose="02070309020205020404" pitchFamily="49" charset="0"/>
-            </a:endParaRPr>
+              <a:t> UNABLE = {30’d0, 1’b1};</a:t>
+            </a:r>
           </a:p>
         </p:txBody>
       </p:sp>
@@ -6312,7 +6267,7 @@
         </p:nvCxnSpPr>
         <p:spPr>
           <a:xfrm>
-            <a:off x="7086600" y="381000"/>
+            <a:off x="6477000" y="381000"/>
             <a:ext cx="381000" cy="0"/>
           </a:xfrm>
           <a:prstGeom prst="line">
@@ -6349,7 +6304,7 @@
         </p:nvSpPr>
         <p:spPr>
           <a:xfrm>
-            <a:off x="6934200" y="228600"/>
+            <a:off x="6324600" y="228600"/>
             <a:ext cx="457200" cy="152400"/>
           </a:xfrm>
           <a:prstGeom prst="rect">
@@ -6401,7 +6356,7 @@
         </p:nvSpPr>
         <p:spPr>
           <a:xfrm>
-            <a:off x="3733800" y="23393400"/>
+            <a:off x="3124200" y="23393400"/>
             <a:ext cx="457200" cy="152400"/>
           </a:xfrm>
           <a:prstGeom prst="rect">
@@ -6460,7 +6415,7 @@
         </p:nvCxnSpPr>
         <p:spPr>
           <a:xfrm>
-            <a:off x="6858000" y="838200"/>
+            <a:off x="6248400" y="838200"/>
             <a:ext cx="685800" cy="0"/>
           </a:xfrm>
           <a:prstGeom prst="line">
@@ -6499,8 +6454,8 @@
         </p:nvCxnSpPr>
         <p:spPr>
           <a:xfrm>
-            <a:off x="7620000" y="457200"/>
-            <a:ext cx="1600200" cy="0"/>
+            <a:off x="7010400" y="457200"/>
+            <a:ext cx="2209800" cy="0"/>
           </a:xfrm>
           <a:prstGeom prst="line">
             <a:avLst/>
@@ -6536,7 +6491,7 @@
         </p:nvCxnSpPr>
         <p:spPr>
           <a:xfrm flipV="1">
-            <a:off x="3429000" y="22936200"/>
+            <a:off x="2819400" y="22936200"/>
             <a:ext cx="152400" cy="152400"/>
           </a:xfrm>
           <a:prstGeom prst="line">
@@ -6573,7 +6528,7 @@
         </p:nvSpPr>
         <p:spPr>
           <a:xfrm>
-            <a:off x="3429000" y="22860000"/>
+            <a:off x="2819400" y="22860000"/>
             <a:ext cx="152400" cy="76200"/>
           </a:xfrm>
           <a:prstGeom prst="rect">
@@ -6626,7 +6581,7 @@
         </p:nvCxnSpPr>
         <p:spPr>
           <a:xfrm>
-            <a:off x="6858000" y="533400"/>
+            <a:off x="6248400" y="533400"/>
             <a:ext cx="609600" cy="0"/>
           </a:xfrm>
           <a:prstGeom prst="line">
@@ -6663,7 +6618,7 @@
         </p:nvCxnSpPr>
         <p:spPr>
           <a:xfrm flipV="1">
-            <a:off x="6781800" y="533400"/>
+            <a:off x="6172200" y="533400"/>
             <a:ext cx="76200" cy="76200"/>
           </a:xfrm>
           <a:prstGeom prst="line">
@@ -6700,7 +6655,7 @@
         </p:nvSpPr>
         <p:spPr>
           <a:xfrm>
-            <a:off x="6324600" y="533400"/>
+            <a:off x="5715000" y="533400"/>
             <a:ext cx="457200" cy="152400"/>
           </a:xfrm>
           <a:prstGeom prst="rect">
@@ -7561,14 +7516,14 @@
         <p:nvCxnSpPr>
           <p:cNvPr id="182" name="Straight Connector 181"/>
           <p:cNvCxnSpPr>
-            <a:endCxn id="181" idx="1"/>
+            <a:stCxn id="751" idx="1"/>
           </p:cNvCxnSpPr>
           <p:nvPr/>
         </p:nvCxnSpPr>
         <p:spPr>
           <a:xfrm>
-            <a:off x="7543800" y="1371600"/>
-            <a:ext cx="1143000" cy="0"/>
+            <a:off x="7772400" y="1371600"/>
+            <a:ext cx="914400" cy="0"/>
           </a:xfrm>
           <a:prstGeom prst="line">
             <a:avLst/>
@@ -8086,7 +8041,7 @@
         </p:nvCxnSpPr>
         <p:spPr>
           <a:xfrm flipV="1">
-            <a:off x="6781800" y="1371600"/>
+            <a:off x="6172200" y="1295400"/>
             <a:ext cx="76200" cy="76200"/>
           </a:xfrm>
           <a:prstGeom prst="line">
@@ -8123,7 +8078,7 @@
         </p:nvSpPr>
         <p:spPr>
           <a:xfrm>
-            <a:off x="6324600" y="1600200"/>
+            <a:off x="5715000" y="1600200"/>
             <a:ext cx="457200" cy="152400"/>
           </a:xfrm>
           <a:prstGeom prst="rect">
@@ -8175,13 +8130,6 @@
               </a:rPr>
               <a:t>]</a:t>
             </a:r>
-            <a:endParaRPr lang="en-US" sz="900" dirty="0">
-              <a:solidFill>
-                <a:srgbClr val="000000"/>
-              </a:solidFill>
-              <a:latin typeface="Courier New" panose="02070309020205020404" pitchFamily="49" charset="0"/>
-              <a:cs typeface="Courier New" panose="02070309020205020404" pitchFamily="49" charset="0"/>
-            </a:endParaRPr>
           </a:p>
         </p:txBody>
       </p:sp>
@@ -8345,13 +8293,6 @@
               </a:rPr>
               <a:t>CLK</a:t>
             </a:r>
-            <a:endParaRPr lang="en-US" sz="900" dirty="0">
-              <a:solidFill>
-                <a:srgbClr val="000000"/>
-              </a:solidFill>
-              <a:latin typeface="Courier New" panose="02070309020205020404" pitchFamily="49" charset="0"/>
-              <a:cs typeface="Courier New" panose="02070309020205020404" pitchFamily="49" charset="0"/>
-            </a:endParaRPr>
           </a:p>
         </p:txBody>
       </p:sp>
@@ -8478,13 +8419,6 @@
               </a:rPr>
               <a:t>RSTX</a:t>
             </a:r>
-            <a:endParaRPr lang="en-US" sz="900" dirty="0">
-              <a:solidFill>
-                <a:srgbClr val="000000"/>
-              </a:solidFill>
-              <a:latin typeface="Courier New" panose="02070309020205020404" pitchFamily="49" charset="0"/>
-              <a:cs typeface="Courier New" panose="02070309020205020404" pitchFamily="49" charset="0"/>
-            </a:endParaRPr>
           </a:p>
         </p:txBody>
       </p:sp>
@@ -8963,8 +8897,8 @@
         </p:nvCxnSpPr>
         <p:spPr>
           <a:xfrm flipV="1">
-            <a:off x="7924800" y="1905000"/>
-            <a:ext cx="0" cy="19354800"/>
+            <a:off x="7924800" y="1981200"/>
+            <a:ext cx="0" cy="19278600"/>
           </a:xfrm>
           <a:prstGeom prst="line">
             <a:avLst/>
@@ -9000,7 +8934,7 @@
         </p:nvSpPr>
         <p:spPr>
           <a:xfrm>
-            <a:off x="6324600" y="838200"/>
+            <a:off x="5715000" y="838200"/>
             <a:ext cx="457200" cy="152400"/>
           </a:xfrm>
           <a:prstGeom prst="rect">
@@ -9042,13 +8976,6 @@
               </a:rPr>
               <a:t>[3]</a:t>
             </a:r>
-            <a:endParaRPr lang="en-US" sz="900" dirty="0">
-              <a:solidFill>
-                <a:srgbClr val="000000"/>
-              </a:solidFill>
-              <a:latin typeface="Courier New" panose="02070309020205020404" pitchFamily="49" charset="0"/>
-              <a:cs typeface="Courier New" panose="02070309020205020404" pitchFamily="49" charset="0"/>
-            </a:endParaRPr>
           </a:p>
         </p:txBody>
       </p:sp>
@@ -9149,13 +9076,6 @@
               </a:rPr>
               <a:t>7’b10_00_0_00</a:t>
             </a:r>
-            <a:endParaRPr lang="en-US" sz="900" dirty="0">
-              <a:solidFill>
-                <a:srgbClr val="000000"/>
-              </a:solidFill>
-              <a:latin typeface="Courier New" panose="02070309020205020404" pitchFamily="49" charset="0"/>
-              <a:cs typeface="Courier New" panose="02070309020205020404" pitchFamily="49" charset="0"/>
-            </a:endParaRPr>
           </a:p>
         </p:txBody>
       </p:sp>
@@ -9208,13 +9128,6 @@
               </a:rPr>
               <a:t>7’b01_00_0_00</a:t>
             </a:r>
-            <a:endParaRPr lang="en-US" sz="900" dirty="0">
-              <a:solidFill>
-                <a:srgbClr val="000000"/>
-              </a:solidFill>
-              <a:latin typeface="Courier New" panose="02070309020205020404" pitchFamily="49" charset="0"/>
-              <a:cs typeface="Courier New" panose="02070309020205020404" pitchFamily="49" charset="0"/>
-            </a:endParaRPr>
           </a:p>
         </p:txBody>
       </p:sp>
@@ -9267,13 +9180,6 @@
               </a:rPr>
               <a:t>7’b00_10_0_00</a:t>
             </a:r>
-            <a:endParaRPr lang="en-US" sz="900" dirty="0">
-              <a:solidFill>
-                <a:srgbClr val="000000"/>
-              </a:solidFill>
-              <a:latin typeface="Courier New" panose="02070309020205020404" pitchFamily="49" charset="0"/>
-              <a:cs typeface="Courier New" panose="02070309020205020404" pitchFamily="49" charset="0"/>
-            </a:endParaRPr>
           </a:p>
         </p:txBody>
       </p:sp>
@@ -9326,13 +9232,6 @@
               </a:rPr>
               <a:t>7’b00_01_0_00</a:t>
             </a:r>
-            <a:endParaRPr lang="en-US" sz="900" dirty="0">
-              <a:solidFill>
-                <a:srgbClr val="000000"/>
-              </a:solidFill>
-              <a:latin typeface="Courier New" panose="02070309020205020404" pitchFamily="49" charset="0"/>
-              <a:cs typeface="Courier New" panose="02070309020205020404" pitchFamily="49" charset="0"/>
-            </a:endParaRPr>
           </a:p>
         </p:txBody>
       </p:sp>
@@ -9385,13 +9284,6 @@
               </a:rPr>
               <a:t>7’b00_00_1_00</a:t>
             </a:r>
-            <a:endParaRPr lang="en-US" sz="900" dirty="0">
-              <a:solidFill>
-                <a:srgbClr val="000000"/>
-              </a:solidFill>
-              <a:latin typeface="Courier New" panose="02070309020205020404" pitchFamily="49" charset="0"/>
-              <a:cs typeface="Courier New" panose="02070309020205020404" pitchFamily="49" charset="0"/>
-            </a:endParaRPr>
           </a:p>
         </p:txBody>
       </p:sp>
@@ -9444,13 +9336,6 @@
               </a:rPr>
               <a:t>7’b00_00_0_10</a:t>
             </a:r>
-            <a:endParaRPr lang="en-US" sz="900" dirty="0">
-              <a:solidFill>
-                <a:srgbClr val="000000"/>
-              </a:solidFill>
-              <a:latin typeface="Courier New" panose="02070309020205020404" pitchFamily="49" charset="0"/>
-              <a:cs typeface="Courier New" panose="02070309020205020404" pitchFamily="49" charset="0"/>
-            </a:endParaRPr>
           </a:p>
         </p:txBody>
       </p:sp>
@@ -9503,13 +9388,6 @@
               </a:rPr>
               <a:t>7’b00_00_0_01</a:t>
             </a:r>
-            <a:endParaRPr lang="en-US" sz="900" dirty="0">
-              <a:solidFill>
-                <a:srgbClr val="000000"/>
-              </a:solidFill>
-              <a:latin typeface="Courier New" panose="02070309020205020404" pitchFamily="49" charset="0"/>
-              <a:cs typeface="Courier New" panose="02070309020205020404" pitchFamily="49" charset="0"/>
-            </a:endParaRPr>
           </a:p>
         </p:txBody>
       </p:sp>
@@ -9562,13 +9440,6 @@
               </a:rPr>
               <a:t>else</a:t>
             </a:r>
-            <a:endParaRPr lang="en-US" sz="900" dirty="0">
-              <a:solidFill>
-                <a:srgbClr val="000000"/>
-              </a:solidFill>
-              <a:latin typeface="Courier New" panose="02070309020205020404" pitchFamily="49" charset="0"/>
-              <a:cs typeface="Courier New" panose="02070309020205020404" pitchFamily="49" charset="0"/>
-            </a:endParaRPr>
           </a:p>
         </p:txBody>
       </p:sp>
@@ -10738,13 +10609,6 @@
               </a:rPr>
               <a:t>58’dx</a:t>
             </a:r>
-            <a:endParaRPr lang="en-US" sz="900" dirty="0">
-              <a:solidFill>
-                <a:srgbClr val="000000"/>
-              </a:solidFill>
-              <a:latin typeface="Courier New" panose="02070309020205020404" pitchFamily="49" charset="0"/>
-              <a:cs typeface="Courier New" panose="02070309020205020404" pitchFamily="49" charset="0"/>
-            </a:endParaRPr>
           </a:p>
         </p:txBody>
       </p:sp>
@@ -10845,13 +10709,6 @@
               </a:rPr>
               <a:t>7’b10_00_0_00</a:t>
             </a:r>
-            <a:endParaRPr lang="en-US" sz="900" dirty="0">
-              <a:solidFill>
-                <a:srgbClr val="000000"/>
-              </a:solidFill>
-              <a:latin typeface="Courier New" panose="02070309020205020404" pitchFamily="49" charset="0"/>
-              <a:cs typeface="Courier New" panose="02070309020205020404" pitchFamily="49" charset="0"/>
-            </a:endParaRPr>
           </a:p>
         </p:txBody>
       </p:sp>
@@ -10904,13 +10761,6 @@
               </a:rPr>
               <a:t>7’b01_00_0_00</a:t>
             </a:r>
-            <a:endParaRPr lang="en-US" sz="900" dirty="0">
-              <a:solidFill>
-                <a:srgbClr val="000000"/>
-              </a:solidFill>
-              <a:latin typeface="Courier New" panose="02070309020205020404" pitchFamily="49" charset="0"/>
-              <a:cs typeface="Courier New" panose="02070309020205020404" pitchFamily="49" charset="0"/>
-            </a:endParaRPr>
           </a:p>
         </p:txBody>
       </p:sp>
@@ -10963,13 +10813,6 @@
               </a:rPr>
               <a:t>7’b00_10_0_00</a:t>
             </a:r>
-            <a:endParaRPr lang="en-US" sz="900" dirty="0">
-              <a:solidFill>
-                <a:srgbClr val="000000"/>
-              </a:solidFill>
-              <a:latin typeface="Courier New" panose="02070309020205020404" pitchFamily="49" charset="0"/>
-              <a:cs typeface="Courier New" panose="02070309020205020404" pitchFamily="49" charset="0"/>
-            </a:endParaRPr>
           </a:p>
         </p:txBody>
       </p:sp>
@@ -11022,13 +10865,6 @@
               </a:rPr>
               <a:t>7’b00_01_0_00</a:t>
             </a:r>
-            <a:endParaRPr lang="en-US" sz="900" dirty="0">
-              <a:solidFill>
-                <a:srgbClr val="000000"/>
-              </a:solidFill>
-              <a:latin typeface="Courier New" panose="02070309020205020404" pitchFamily="49" charset="0"/>
-              <a:cs typeface="Courier New" panose="02070309020205020404" pitchFamily="49" charset="0"/>
-            </a:endParaRPr>
           </a:p>
         </p:txBody>
       </p:sp>
@@ -11081,13 +10917,6 @@
               </a:rPr>
               <a:t>7’b00_00_1_00</a:t>
             </a:r>
-            <a:endParaRPr lang="en-US" sz="900" dirty="0">
-              <a:solidFill>
-                <a:srgbClr val="000000"/>
-              </a:solidFill>
-              <a:latin typeface="Courier New" panose="02070309020205020404" pitchFamily="49" charset="0"/>
-              <a:cs typeface="Courier New" panose="02070309020205020404" pitchFamily="49" charset="0"/>
-            </a:endParaRPr>
           </a:p>
         </p:txBody>
       </p:sp>
@@ -11140,13 +10969,6 @@
               </a:rPr>
               <a:t>7’b00_00_0_10</a:t>
             </a:r>
-            <a:endParaRPr lang="en-US" sz="900" dirty="0">
-              <a:solidFill>
-                <a:srgbClr val="000000"/>
-              </a:solidFill>
-              <a:latin typeface="Courier New" panose="02070309020205020404" pitchFamily="49" charset="0"/>
-              <a:cs typeface="Courier New" panose="02070309020205020404" pitchFamily="49" charset="0"/>
-            </a:endParaRPr>
           </a:p>
         </p:txBody>
       </p:sp>
@@ -11199,13 +11021,6 @@
               </a:rPr>
               <a:t>7’b00_00_0_01</a:t>
             </a:r>
-            <a:endParaRPr lang="en-US" sz="900" dirty="0">
-              <a:solidFill>
-                <a:srgbClr val="000000"/>
-              </a:solidFill>
-              <a:latin typeface="Courier New" panose="02070309020205020404" pitchFamily="49" charset="0"/>
-              <a:cs typeface="Courier New" panose="02070309020205020404" pitchFamily="49" charset="0"/>
-            </a:endParaRPr>
           </a:p>
         </p:txBody>
       </p:sp>
@@ -11258,13 +11073,6 @@
               </a:rPr>
               <a:t>else</a:t>
             </a:r>
-            <a:endParaRPr lang="en-US" sz="900" dirty="0">
-              <a:solidFill>
-                <a:srgbClr val="000000"/>
-              </a:solidFill>
-              <a:latin typeface="Courier New" panose="02070309020205020404" pitchFamily="49" charset="0"/>
-              <a:cs typeface="Courier New" panose="02070309020205020404" pitchFamily="49" charset="0"/>
-            </a:endParaRPr>
           </a:p>
         </p:txBody>
       </p:sp>
@@ -12064,13 +11872,6 @@
               </a:rPr>
               <a:t>64’dx</a:t>
             </a:r>
-            <a:endParaRPr lang="en-US" sz="900" dirty="0">
-              <a:solidFill>
-                <a:srgbClr val="000000"/>
-              </a:solidFill>
-              <a:latin typeface="Courier New" panose="02070309020205020404" pitchFamily="49" charset="0"/>
-              <a:cs typeface="Courier New" panose="02070309020205020404" pitchFamily="49" charset="0"/>
-            </a:endParaRPr>
           </a:p>
         </p:txBody>
       </p:sp>
@@ -12422,13 +12223,6 @@
               </a:rPr>
               <a:t>58</a:t>
             </a:r>
-            <a:endParaRPr lang="en-US" sz="900" dirty="0">
-              <a:solidFill>
-                <a:srgbClr val="000000"/>
-              </a:solidFill>
-              <a:latin typeface="Courier New" panose="02070309020205020404" pitchFamily="49" charset="0"/>
-              <a:cs typeface="Courier New" panose="02070309020205020404" pitchFamily="49" charset="0"/>
-            </a:endParaRPr>
           </a:p>
         </p:txBody>
       </p:sp>
@@ -12532,13 +12326,6 @@
               </a:rPr>
               <a:t>RECV_CNT</a:t>
             </a:r>
-            <a:endParaRPr lang="en-US" sz="900" dirty="0">
-              <a:solidFill>
-                <a:srgbClr val="000000"/>
-              </a:solidFill>
-              <a:latin typeface="Courier New" panose="02070309020205020404" pitchFamily="49" charset="0"/>
-              <a:cs typeface="Courier New" panose="02070309020205020404" pitchFamily="49" charset="0"/>
-            </a:endParaRPr>
           </a:p>
         </p:txBody>
       </p:sp>
@@ -12668,13 +12455,6 @@
               </a:rPr>
               <a:t>64</a:t>
             </a:r>
-            <a:endParaRPr lang="en-US" sz="900" dirty="0">
-              <a:solidFill>
-                <a:srgbClr val="000000"/>
-              </a:solidFill>
-              <a:latin typeface="Courier New" panose="02070309020205020404" pitchFamily="49" charset="0"/>
-              <a:cs typeface="Courier New" panose="02070309020205020404" pitchFamily="49" charset="0"/>
-            </a:endParaRPr>
           </a:p>
         </p:txBody>
       </p:sp>
@@ -12778,13 +12558,6 @@
               </a:rPr>
               <a:t>ERR_CNT</a:t>
             </a:r>
-            <a:endParaRPr lang="en-US" sz="900" dirty="0">
-              <a:solidFill>
-                <a:srgbClr val="000000"/>
-              </a:solidFill>
-              <a:latin typeface="Courier New" panose="02070309020205020404" pitchFamily="49" charset="0"/>
-              <a:cs typeface="Courier New" panose="02070309020205020404" pitchFamily="49" charset="0"/>
-            </a:endParaRPr>
           </a:p>
         </p:txBody>
       </p:sp>
@@ -12915,13 +12688,6 @@
               </a:rPr>
               <a:t>2</a:t>
             </a:r>
-            <a:endParaRPr lang="en-US" sz="900" dirty="0">
-              <a:solidFill>
-                <a:srgbClr val="000000"/>
-              </a:solidFill>
-              <a:latin typeface="Courier New" panose="02070309020205020404" pitchFamily="49" charset="0"/>
-              <a:cs typeface="Courier New" panose="02070309020205020404" pitchFamily="49" charset="0"/>
-            </a:endParaRPr>
           </a:p>
         </p:txBody>
       </p:sp>
@@ -13025,13 +12791,6 @@
               </a:rPr>
               <a:t>NTA_DOUT</a:t>
             </a:r>
-            <a:endParaRPr lang="en-US" sz="900" dirty="0">
-              <a:solidFill>
-                <a:srgbClr val="000000"/>
-              </a:solidFill>
-              <a:latin typeface="Courier New" panose="02070309020205020404" pitchFamily="49" charset="0"/>
-              <a:cs typeface="Courier New" panose="02070309020205020404" pitchFamily="49" charset="0"/>
-            </a:endParaRPr>
           </a:p>
         </p:txBody>
       </p:sp>
@@ -13212,13 +12971,6 @@
               </a:rPr>
               <a:t>2</a:t>
             </a:r>
-            <a:endParaRPr lang="en-US" sz="900" dirty="0">
-              <a:solidFill>
-                <a:srgbClr val="000000"/>
-              </a:solidFill>
-              <a:latin typeface="Courier New" panose="02070309020205020404" pitchFamily="49" charset="0"/>
-              <a:cs typeface="Courier New" panose="02070309020205020404" pitchFamily="49" charset="0"/>
-            </a:endParaRPr>
           </a:p>
         </p:txBody>
       </p:sp>
@@ -13271,13 +13023,6 @@
               </a:rPr>
               <a:t>NTA_DIN</a:t>
             </a:r>
-            <a:endParaRPr lang="en-US" sz="900" dirty="0">
-              <a:solidFill>
-                <a:srgbClr val="000000"/>
-              </a:solidFill>
-              <a:latin typeface="Courier New" panose="02070309020205020404" pitchFamily="49" charset="0"/>
-              <a:cs typeface="Courier New" panose="02070309020205020404" pitchFamily="49" charset="0"/>
-            </a:endParaRPr>
           </a:p>
         </p:txBody>
       </p:sp>
@@ -13289,7 +13034,7 @@
         </p:nvSpPr>
         <p:spPr>
           <a:xfrm rot="5400000">
-            <a:off x="7086600" y="1219200"/>
+            <a:off x="6477000" y="1143000"/>
             <a:ext cx="304800" cy="304800"/>
           </a:xfrm>
           <a:prstGeom prst="triangle">
@@ -13340,7 +13085,7 @@
         </p:nvSpPr>
         <p:spPr>
           <a:xfrm>
-            <a:off x="7391400" y="1295400"/>
+            <a:off x="6781800" y="1219200"/>
             <a:ext cx="152400" cy="152400"/>
           </a:xfrm>
           <a:prstGeom prst="ellipse">
@@ -13393,7 +13138,7 @@
         </p:nvCxnSpPr>
         <p:spPr>
           <a:xfrm>
-            <a:off x="6858000" y="1371600"/>
+            <a:off x="6248400" y="1295400"/>
             <a:ext cx="228600" cy="0"/>
           </a:xfrm>
           <a:prstGeom prst="line">
@@ -13471,13 +13216,6 @@
               </a:rPr>
               <a:t>PATTERN</a:t>
             </a:r>
-            <a:endParaRPr lang="en-US" sz="900" dirty="0">
-              <a:solidFill>
-                <a:srgbClr val="000000"/>
-              </a:solidFill>
-              <a:latin typeface="Courier New" panose="02070309020205020404" pitchFamily="49" charset="0"/>
-              <a:cs typeface="Courier New" panose="02070309020205020404" pitchFamily="49" charset="0"/>
-            </a:endParaRPr>
           </a:p>
         </p:txBody>
       </p:sp>
@@ -13489,8 +13227,8 @@
         </p:nvCxnSpPr>
         <p:spPr>
           <a:xfrm>
-            <a:off x="6858000" y="1600200"/>
-            <a:ext cx="1828800" cy="0"/>
+            <a:off x="6248400" y="1600200"/>
+            <a:ext cx="2438400" cy="0"/>
           </a:xfrm>
           <a:prstGeom prst="line">
             <a:avLst/>
@@ -13526,7 +13264,7 @@
         </p:nvCxnSpPr>
         <p:spPr>
           <a:xfrm flipV="1">
-            <a:off x="6781800" y="1600200"/>
+            <a:off x="6172200" y="1600200"/>
             <a:ext cx="76200" cy="76200"/>
           </a:xfrm>
           <a:prstGeom prst="line">
@@ -14364,14 +14102,15 @@
         <p:nvCxnSpPr>
           <p:cNvPr id="986" name="Straight Connector 985"/>
           <p:cNvCxnSpPr>
+            <a:stCxn id="759" idx="1"/>
             <a:endCxn id="985" idx="1"/>
           </p:cNvCxnSpPr>
           <p:nvPr/>
         </p:nvCxnSpPr>
         <p:spPr>
           <a:xfrm>
-            <a:off x="7543800" y="3810000"/>
-            <a:ext cx="1143000" cy="0"/>
+            <a:off x="7772400" y="3810000"/>
+            <a:ext cx="914400" cy="0"/>
           </a:xfrm>
           <a:prstGeom prst="line">
             <a:avLst/>
@@ -14889,7 +14628,7 @@
         </p:nvCxnSpPr>
         <p:spPr>
           <a:xfrm flipV="1">
-            <a:off x="6781800" y="3810000"/>
+            <a:off x="6172200" y="3733800"/>
             <a:ext cx="76200" cy="76200"/>
           </a:xfrm>
           <a:prstGeom prst="line">
@@ -14926,7 +14665,7 @@
         </p:nvSpPr>
         <p:spPr>
           <a:xfrm>
-            <a:off x="6324600" y="4038600"/>
+            <a:off x="5715000" y="4038600"/>
             <a:ext cx="457200" cy="152400"/>
           </a:xfrm>
           <a:prstGeom prst="rect">
@@ -14978,13 +14717,6 @@
               </a:rPr>
               <a:t>]</a:t>
             </a:r>
-            <a:endParaRPr lang="en-US" sz="900" dirty="0">
-              <a:solidFill>
-                <a:srgbClr val="000000"/>
-              </a:solidFill>
-              <a:latin typeface="Courier New" panose="02070309020205020404" pitchFamily="49" charset="0"/>
-              <a:cs typeface="Courier New" panose="02070309020205020404" pitchFamily="49" charset="0"/>
-            </a:endParaRPr>
           </a:p>
         </p:txBody>
       </p:sp>
@@ -15148,13 +14880,6 @@
               </a:rPr>
               <a:t>CLK</a:t>
             </a:r>
-            <a:endParaRPr lang="en-US" sz="900" dirty="0">
-              <a:solidFill>
-                <a:srgbClr val="000000"/>
-              </a:solidFill>
-              <a:latin typeface="Courier New" panose="02070309020205020404" pitchFamily="49" charset="0"/>
-              <a:cs typeface="Courier New" panose="02070309020205020404" pitchFamily="49" charset="0"/>
-            </a:endParaRPr>
           </a:p>
         </p:txBody>
       </p:sp>
@@ -15281,13 +15006,6 @@
               </a:rPr>
               <a:t>RSTX</a:t>
             </a:r>
-            <a:endParaRPr lang="en-US" sz="900" dirty="0">
-              <a:solidFill>
-                <a:srgbClr val="000000"/>
-              </a:solidFill>
-              <a:latin typeface="Courier New" panose="02070309020205020404" pitchFamily="49" charset="0"/>
-              <a:cs typeface="Courier New" panose="02070309020205020404" pitchFamily="49" charset="0"/>
-            </a:endParaRPr>
           </a:p>
         </p:txBody>
       </p:sp>
@@ -15959,13 +15677,6 @@
               </a:rPr>
               <a:t>2</a:t>
             </a:r>
-            <a:endParaRPr lang="en-US" sz="900" dirty="0">
-              <a:solidFill>
-                <a:srgbClr val="000000"/>
-              </a:solidFill>
-              <a:latin typeface="Courier New" panose="02070309020205020404" pitchFamily="49" charset="0"/>
-              <a:cs typeface="Courier New" panose="02070309020205020404" pitchFamily="49" charset="0"/>
-            </a:endParaRPr>
           </a:p>
         </p:txBody>
       </p:sp>
@@ -16256,13 +15967,6 @@
               </a:rPr>
               <a:t>2</a:t>
             </a:r>
-            <a:endParaRPr lang="en-US" sz="900" dirty="0">
-              <a:solidFill>
-                <a:srgbClr val="000000"/>
-              </a:solidFill>
-              <a:latin typeface="Courier New" panose="02070309020205020404" pitchFamily="49" charset="0"/>
-              <a:cs typeface="Courier New" panose="02070309020205020404" pitchFamily="49" charset="0"/>
-            </a:endParaRPr>
           </a:p>
         </p:txBody>
       </p:sp>
@@ -16333,7 +16037,7 @@
         </p:nvSpPr>
         <p:spPr>
           <a:xfrm rot="5400000">
-            <a:off x="7086600" y="3657600"/>
+            <a:off x="6477000" y="3581400"/>
             <a:ext cx="304800" cy="304800"/>
           </a:xfrm>
           <a:prstGeom prst="triangle">
@@ -16384,7 +16088,7 @@
         </p:nvSpPr>
         <p:spPr>
           <a:xfrm>
-            <a:off x="7391400" y="3733800"/>
+            <a:off x="6781800" y="3657600"/>
             <a:ext cx="152400" cy="152400"/>
           </a:xfrm>
           <a:prstGeom prst="ellipse">
@@ -16437,7 +16141,7 @@
         </p:nvCxnSpPr>
         <p:spPr>
           <a:xfrm>
-            <a:off x="6858000" y="3810000"/>
+            <a:off x="6248400" y="3733800"/>
             <a:ext cx="228600" cy="0"/>
           </a:xfrm>
           <a:prstGeom prst="line">
@@ -16515,13 +16219,6 @@
               </a:rPr>
               <a:t>PATTERN</a:t>
             </a:r>
-            <a:endParaRPr lang="en-US" sz="900" dirty="0">
-              <a:solidFill>
-                <a:srgbClr val="000000"/>
-              </a:solidFill>
-              <a:latin typeface="Courier New" panose="02070309020205020404" pitchFamily="49" charset="0"/>
-              <a:cs typeface="Courier New" panose="02070309020205020404" pitchFamily="49" charset="0"/>
-            </a:endParaRPr>
           </a:p>
         </p:txBody>
       </p:sp>
@@ -16533,8 +16230,8 @@
         </p:nvCxnSpPr>
         <p:spPr>
           <a:xfrm>
-            <a:off x="6858000" y="4038600"/>
-            <a:ext cx="1828800" cy="0"/>
+            <a:off x="6248400" y="4038600"/>
+            <a:ext cx="2438400" cy="0"/>
           </a:xfrm>
           <a:prstGeom prst="line">
             <a:avLst/>
@@ -16570,7 +16267,7 @@
         </p:nvCxnSpPr>
         <p:spPr>
           <a:xfrm flipV="1">
-            <a:off x="6781800" y="4038600"/>
+            <a:off x="6172200" y="4038600"/>
             <a:ext cx="76200" cy="76200"/>
           </a:xfrm>
           <a:prstGeom prst="line">
@@ -16894,13 +16591,6 @@
               </a:rPr>
               <a:t>31</a:t>
             </a:r>
-            <a:endParaRPr lang="en-US" sz="900" dirty="0">
-              <a:solidFill>
-                <a:srgbClr val="000000"/>
-              </a:solidFill>
-              <a:latin typeface="Courier New" panose="02070309020205020404" pitchFamily="49" charset="0"/>
-              <a:cs typeface="Courier New" panose="02070309020205020404" pitchFamily="49" charset="0"/>
-            </a:endParaRPr>
           </a:p>
         </p:txBody>
       </p:sp>
@@ -17022,7 +16712,7 @@
         </p:nvSpPr>
         <p:spPr>
           <a:xfrm rot="5400000">
-            <a:off x="7315200" y="6019800"/>
+            <a:off x="6705600" y="6019800"/>
             <a:ext cx="457200" cy="152400"/>
           </a:xfrm>
           <a:prstGeom prst="trapezoid">
@@ -17070,7 +16760,7 @@
         </p:nvSpPr>
         <p:spPr>
           <a:xfrm>
-            <a:off x="7467600" y="5943600"/>
+            <a:off x="6858000" y="5943600"/>
             <a:ext cx="152400" cy="152400"/>
           </a:xfrm>
           <a:prstGeom prst="rect">
@@ -17122,7 +16812,7 @@
         </p:nvSpPr>
         <p:spPr>
           <a:xfrm>
-            <a:off x="7467600" y="6096000"/>
+            <a:off x="6858000" y="6096000"/>
             <a:ext cx="152400" cy="152400"/>
           </a:xfrm>
           <a:prstGeom prst="rect">
@@ -17174,7 +16864,7 @@
         </p:nvCxnSpPr>
         <p:spPr>
           <a:xfrm flipV="1">
-            <a:off x="7543800" y="6248400"/>
+            <a:off x="6934200" y="6248400"/>
             <a:ext cx="0" cy="228600"/>
           </a:xfrm>
           <a:prstGeom prst="line">
@@ -17211,7 +16901,7 @@
         </p:nvCxnSpPr>
         <p:spPr>
           <a:xfrm flipV="1">
-            <a:off x="6781800" y="6477000"/>
+            <a:off x="6172200" y="6477000"/>
             <a:ext cx="76200" cy="76200"/>
           </a:xfrm>
           <a:prstGeom prst="line">
@@ -17347,7 +17037,7 @@
         </p:nvCxnSpPr>
         <p:spPr>
           <a:xfrm>
-            <a:off x="7086600" y="6019800"/>
+            <a:off x="6477000" y="6019800"/>
             <a:ext cx="381000" cy="0"/>
           </a:xfrm>
           <a:prstGeom prst="line">
@@ -17384,7 +17074,7 @@
         </p:nvSpPr>
         <p:spPr>
           <a:xfrm>
-            <a:off x="6934200" y="5867400"/>
+            <a:off x="6324600" y="5867400"/>
             <a:ext cx="457200" cy="152400"/>
           </a:xfrm>
           <a:prstGeom prst="rect">
@@ -17436,7 +17126,7 @@
         </p:nvCxnSpPr>
         <p:spPr>
           <a:xfrm>
-            <a:off x="6858000" y="6477000"/>
+            <a:off x="6248400" y="6477000"/>
             <a:ext cx="685800" cy="0"/>
           </a:xfrm>
           <a:prstGeom prst="line">
@@ -17475,8 +17165,8 @@
         </p:nvCxnSpPr>
         <p:spPr>
           <a:xfrm>
-            <a:off x="7620000" y="6096000"/>
-            <a:ext cx="1600200" cy="0"/>
+            <a:off x="7010400" y="6096000"/>
+            <a:ext cx="2209800" cy="0"/>
           </a:xfrm>
           <a:prstGeom prst="line">
             <a:avLst/>
@@ -17512,7 +17202,7 @@
         </p:nvCxnSpPr>
         <p:spPr>
           <a:xfrm>
-            <a:off x="6858000" y="6172200"/>
+            <a:off x="6248400" y="6172200"/>
             <a:ext cx="609600" cy="0"/>
           </a:xfrm>
           <a:prstGeom prst="line">
@@ -17549,7 +17239,7 @@
         </p:nvCxnSpPr>
         <p:spPr>
           <a:xfrm flipV="1">
-            <a:off x="6781800" y="6172200"/>
+            <a:off x="6172200" y="6172200"/>
             <a:ext cx="76200" cy="76200"/>
           </a:xfrm>
           <a:prstGeom prst="line">
@@ -18387,14 +18077,15 @@
         <p:nvCxnSpPr>
           <p:cNvPr id="1075" name="Straight Connector 1074"/>
           <p:cNvCxnSpPr>
+            <a:stCxn id="767" idx="1"/>
             <a:endCxn id="1074" idx="1"/>
           </p:cNvCxnSpPr>
           <p:nvPr/>
         </p:nvCxnSpPr>
         <p:spPr>
           <a:xfrm>
-            <a:off x="7543800" y="7010400"/>
-            <a:ext cx="1143000" cy="0"/>
+            <a:off x="7772400" y="7010400"/>
+            <a:ext cx="914400" cy="0"/>
           </a:xfrm>
           <a:prstGeom prst="line">
             <a:avLst/>
@@ -18912,7 +18603,7 @@
         </p:nvCxnSpPr>
         <p:spPr>
           <a:xfrm flipV="1">
-            <a:off x="6781800" y="7010400"/>
+            <a:off x="6172200" y="6934200"/>
             <a:ext cx="76200" cy="76200"/>
           </a:xfrm>
           <a:prstGeom prst="line">
@@ -19101,13 +18792,6 @@
               </a:rPr>
               <a:t>CLK</a:t>
             </a:r>
-            <a:endParaRPr lang="en-US" sz="900" dirty="0">
-              <a:solidFill>
-                <a:srgbClr val="000000"/>
-              </a:solidFill>
-              <a:latin typeface="Courier New" panose="02070309020205020404" pitchFamily="49" charset="0"/>
-              <a:cs typeface="Courier New" panose="02070309020205020404" pitchFamily="49" charset="0"/>
-            </a:endParaRPr>
           </a:p>
         </p:txBody>
       </p:sp>
@@ -19234,13 +18918,6 @@
               </a:rPr>
               <a:t>RSTX</a:t>
             </a:r>
-            <a:endParaRPr lang="en-US" sz="900" dirty="0">
-              <a:solidFill>
-                <a:srgbClr val="000000"/>
-              </a:solidFill>
-              <a:latin typeface="Courier New" panose="02070309020205020404" pitchFamily="49" charset="0"/>
-              <a:cs typeface="Courier New" panose="02070309020205020404" pitchFamily="49" charset="0"/>
-            </a:endParaRPr>
           </a:p>
         </p:txBody>
       </p:sp>
@@ -19912,13 +19589,6 @@
               </a:rPr>
               <a:t>2</a:t>
             </a:r>
-            <a:endParaRPr lang="en-US" sz="900" dirty="0">
-              <a:solidFill>
-                <a:srgbClr val="000000"/>
-              </a:solidFill>
-              <a:latin typeface="Courier New" panose="02070309020205020404" pitchFamily="49" charset="0"/>
-              <a:cs typeface="Courier New" panose="02070309020205020404" pitchFamily="49" charset="0"/>
-            </a:endParaRPr>
           </a:p>
         </p:txBody>
       </p:sp>
@@ -20219,13 +19889,6 @@
               </a:rPr>
               <a:t>2</a:t>
             </a:r>
-            <a:endParaRPr lang="en-US" sz="900" dirty="0">
-              <a:solidFill>
-                <a:srgbClr val="000000"/>
-              </a:solidFill>
-              <a:latin typeface="Courier New" panose="02070309020205020404" pitchFamily="49" charset="0"/>
-              <a:cs typeface="Courier New" panose="02070309020205020404" pitchFamily="49" charset="0"/>
-            </a:endParaRPr>
           </a:p>
         </p:txBody>
       </p:sp>
@@ -20296,7 +19959,7 @@
         </p:nvSpPr>
         <p:spPr>
           <a:xfrm rot="5400000">
-            <a:off x="7086600" y="6858000"/>
+            <a:off x="6477000" y="6781800"/>
             <a:ext cx="304800" cy="304800"/>
           </a:xfrm>
           <a:prstGeom prst="triangle">
@@ -20347,7 +20010,7 @@
         </p:nvSpPr>
         <p:spPr>
           <a:xfrm>
-            <a:off x="7391400" y="6934200"/>
+            <a:off x="6781800" y="6858000"/>
             <a:ext cx="152400" cy="152400"/>
           </a:xfrm>
           <a:prstGeom prst="ellipse">
@@ -20400,7 +20063,7 @@
         </p:nvCxnSpPr>
         <p:spPr>
           <a:xfrm>
-            <a:off x="6858000" y="7010400"/>
+            <a:off x="6248400" y="6934200"/>
             <a:ext cx="228600" cy="0"/>
           </a:xfrm>
           <a:prstGeom prst="line">
@@ -20478,13 +20141,6 @@
               </a:rPr>
               <a:t>PATTERN</a:t>
             </a:r>
-            <a:endParaRPr lang="en-US" sz="900" dirty="0">
-              <a:solidFill>
-                <a:srgbClr val="000000"/>
-              </a:solidFill>
-              <a:latin typeface="Courier New" panose="02070309020205020404" pitchFamily="49" charset="0"/>
-              <a:cs typeface="Courier New" panose="02070309020205020404" pitchFamily="49" charset="0"/>
-            </a:endParaRPr>
           </a:p>
         </p:txBody>
       </p:sp>
@@ -20496,8 +20152,8 @@
         </p:nvCxnSpPr>
         <p:spPr>
           <a:xfrm>
-            <a:off x="6858000" y="7239000"/>
-            <a:ext cx="1828800" cy="0"/>
+            <a:off x="6248400" y="7239000"/>
+            <a:ext cx="2438400" cy="0"/>
           </a:xfrm>
           <a:prstGeom prst="line">
             <a:avLst/>
@@ -20533,7 +20189,7 @@
         </p:nvCxnSpPr>
         <p:spPr>
           <a:xfrm flipV="1">
-            <a:off x="6781800" y="7239000"/>
+            <a:off x="6172200" y="7239000"/>
             <a:ext cx="76200" cy="76200"/>
           </a:xfrm>
           <a:prstGeom prst="line">
@@ -21371,14 +21027,15 @@
         <p:nvCxnSpPr>
           <p:cNvPr id="1142" name="Straight Connector 1141"/>
           <p:cNvCxnSpPr>
+            <a:stCxn id="773" idx="1"/>
             <a:endCxn id="1141" idx="1"/>
           </p:cNvCxnSpPr>
           <p:nvPr/>
         </p:nvCxnSpPr>
         <p:spPr>
           <a:xfrm>
-            <a:off x="7543800" y="9448800"/>
-            <a:ext cx="1143000" cy="0"/>
+            <a:off x="7772400" y="9448800"/>
+            <a:ext cx="914400" cy="0"/>
           </a:xfrm>
           <a:prstGeom prst="line">
             <a:avLst/>
@@ -21896,7 +21553,7 @@
         </p:nvCxnSpPr>
         <p:spPr>
           <a:xfrm flipV="1">
-            <a:off x="6781800" y="9448800"/>
+            <a:off x="6172200" y="9372600"/>
             <a:ext cx="76200" cy="76200"/>
           </a:xfrm>
           <a:prstGeom prst="line">
@@ -22085,13 +21742,6 @@
               </a:rPr>
               <a:t>CLK</a:t>
             </a:r>
-            <a:endParaRPr lang="en-US" sz="900" dirty="0">
-              <a:solidFill>
-                <a:srgbClr val="000000"/>
-              </a:solidFill>
-              <a:latin typeface="Courier New" panose="02070309020205020404" pitchFamily="49" charset="0"/>
-              <a:cs typeface="Courier New" panose="02070309020205020404" pitchFamily="49" charset="0"/>
-            </a:endParaRPr>
           </a:p>
         </p:txBody>
       </p:sp>
@@ -22218,13 +21868,6 @@
               </a:rPr>
               <a:t>RSTX</a:t>
             </a:r>
-            <a:endParaRPr lang="en-US" sz="900" dirty="0">
-              <a:solidFill>
-                <a:srgbClr val="000000"/>
-              </a:solidFill>
-              <a:latin typeface="Courier New" panose="02070309020205020404" pitchFamily="49" charset="0"/>
-              <a:cs typeface="Courier New" panose="02070309020205020404" pitchFamily="49" charset="0"/>
-            </a:endParaRPr>
           </a:p>
         </p:txBody>
       </p:sp>
@@ -22896,13 +22539,6 @@
               </a:rPr>
               <a:t>2</a:t>
             </a:r>
-            <a:endParaRPr lang="en-US" sz="900" dirty="0">
-              <a:solidFill>
-                <a:srgbClr val="000000"/>
-              </a:solidFill>
-              <a:latin typeface="Courier New" panose="02070309020205020404" pitchFamily="49" charset="0"/>
-              <a:cs typeface="Courier New" panose="02070309020205020404" pitchFamily="49" charset="0"/>
-            </a:endParaRPr>
           </a:p>
         </p:txBody>
       </p:sp>
@@ -23193,13 +22829,6 @@
               </a:rPr>
               <a:t>2</a:t>
             </a:r>
-            <a:endParaRPr lang="en-US" sz="900" dirty="0">
-              <a:solidFill>
-                <a:srgbClr val="000000"/>
-              </a:solidFill>
-              <a:latin typeface="Courier New" panose="02070309020205020404" pitchFamily="49" charset="0"/>
-              <a:cs typeface="Courier New" panose="02070309020205020404" pitchFamily="49" charset="0"/>
-            </a:endParaRPr>
           </a:p>
         </p:txBody>
       </p:sp>
@@ -23270,7 +22899,7 @@
         </p:nvSpPr>
         <p:spPr>
           <a:xfrm rot="5400000">
-            <a:off x="7086600" y="9296400"/>
+            <a:off x="6477000" y="9220200"/>
             <a:ext cx="304800" cy="304800"/>
           </a:xfrm>
           <a:prstGeom prst="triangle">
@@ -23321,7 +22950,7 @@
         </p:nvSpPr>
         <p:spPr>
           <a:xfrm>
-            <a:off x="7391400" y="9372600"/>
+            <a:off x="6781800" y="9296400"/>
             <a:ext cx="152400" cy="152400"/>
           </a:xfrm>
           <a:prstGeom prst="ellipse">
@@ -23374,7 +23003,7 @@
         </p:nvCxnSpPr>
         <p:spPr>
           <a:xfrm>
-            <a:off x="6858000" y="9448800"/>
+            <a:off x="6248400" y="9372600"/>
             <a:ext cx="228600" cy="0"/>
           </a:xfrm>
           <a:prstGeom prst="line">
@@ -23452,13 +23081,6 @@
               </a:rPr>
               <a:t>PATTERN</a:t>
             </a:r>
-            <a:endParaRPr lang="en-US" sz="900" dirty="0">
-              <a:solidFill>
-                <a:srgbClr val="000000"/>
-              </a:solidFill>
-              <a:latin typeface="Courier New" panose="02070309020205020404" pitchFamily="49" charset="0"/>
-              <a:cs typeface="Courier New" panose="02070309020205020404" pitchFamily="49" charset="0"/>
-            </a:endParaRPr>
           </a:p>
         </p:txBody>
       </p:sp>
@@ -23470,8 +23092,8 @@
         </p:nvCxnSpPr>
         <p:spPr>
           <a:xfrm>
-            <a:off x="6858000" y="9677400"/>
-            <a:ext cx="1828800" cy="0"/>
+            <a:off x="6248400" y="9677400"/>
+            <a:ext cx="2438400" cy="0"/>
           </a:xfrm>
           <a:prstGeom prst="line">
             <a:avLst/>
@@ -23507,7 +23129,7 @@
         </p:nvCxnSpPr>
         <p:spPr>
           <a:xfrm flipV="1">
-            <a:off x="6781800" y="9677400"/>
+            <a:off x="6172200" y="9677400"/>
             <a:ext cx="76200" cy="76200"/>
           </a:xfrm>
           <a:prstGeom prst="line">
@@ -23831,13 +23453,6 @@
               </a:rPr>
               <a:t>31</a:t>
             </a:r>
-            <a:endParaRPr lang="en-US" sz="900" dirty="0">
-              <a:solidFill>
-                <a:srgbClr val="000000"/>
-              </a:solidFill>
-              <a:latin typeface="Courier New" panose="02070309020205020404" pitchFamily="49" charset="0"/>
-              <a:cs typeface="Courier New" panose="02070309020205020404" pitchFamily="49" charset="0"/>
-            </a:endParaRPr>
           </a:p>
         </p:txBody>
       </p:sp>
@@ -23959,7 +23574,7 @@
         </p:nvSpPr>
         <p:spPr>
           <a:xfrm rot="5400000">
-            <a:off x="7315200" y="11658600"/>
+            <a:off x="6705600" y="11658600"/>
             <a:ext cx="457200" cy="152400"/>
           </a:xfrm>
           <a:prstGeom prst="trapezoid">
@@ -24007,7 +23622,7 @@
         </p:nvSpPr>
         <p:spPr>
           <a:xfrm>
-            <a:off x="7467600" y="11582400"/>
+            <a:off x="6858000" y="11582400"/>
             <a:ext cx="152400" cy="152400"/>
           </a:xfrm>
           <a:prstGeom prst="rect">
@@ -24059,7 +23674,7 @@
         </p:nvSpPr>
         <p:spPr>
           <a:xfrm>
-            <a:off x="7467600" y="11734800"/>
+            <a:off x="6858000" y="11734800"/>
             <a:ext cx="152400" cy="152400"/>
           </a:xfrm>
           <a:prstGeom prst="rect">
@@ -24111,7 +23726,7 @@
         </p:nvCxnSpPr>
         <p:spPr>
           <a:xfrm flipV="1">
-            <a:off x="7543800" y="11887200"/>
+            <a:off x="6934200" y="11887200"/>
             <a:ext cx="0" cy="228600"/>
           </a:xfrm>
           <a:prstGeom prst="line">
@@ -24148,7 +23763,7 @@
         </p:nvCxnSpPr>
         <p:spPr>
           <a:xfrm flipV="1">
-            <a:off x="6781800" y="12115800"/>
+            <a:off x="6172200" y="12115800"/>
             <a:ext cx="76200" cy="76200"/>
           </a:xfrm>
           <a:prstGeom prst="line">
@@ -24284,7 +23899,7 @@
         </p:nvCxnSpPr>
         <p:spPr>
           <a:xfrm>
-            <a:off x="7086600" y="11658600"/>
+            <a:off x="6477000" y="11658600"/>
             <a:ext cx="381000" cy="0"/>
           </a:xfrm>
           <a:prstGeom prst="line">
@@ -24321,7 +23936,7 @@
         </p:nvSpPr>
         <p:spPr>
           <a:xfrm>
-            <a:off x="6934200" y="11506200"/>
+            <a:off x="6324600" y="11506200"/>
             <a:ext cx="457200" cy="152400"/>
           </a:xfrm>
           <a:prstGeom prst="rect">
@@ -24373,7 +23988,7 @@
         </p:nvCxnSpPr>
         <p:spPr>
           <a:xfrm>
-            <a:off x="6858000" y="12115800"/>
+            <a:off x="6248400" y="12115800"/>
             <a:ext cx="685800" cy="0"/>
           </a:xfrm>
           <a:prstGeom prst="line">
@@ -24412,8 +24027,8 @@
         </p:nvCxnSpPr>
         <p:spPr>
           <a:xfrm>
-            <a:off x="7620000" y="11734800"/>
-            <a:ext cx="1600200" cy="0"/>
+            <a:off x="7010400" y="11734800"/>
+            <a:ext cx="2209800" cy="0"/>
           </a:xfrm>
           <a:prstGeom prst="line">
             <a:avLst/>
@@ -24449,7 +24064,7 @@
         </p:nvCxnSpPr>
         <p:spPr>
           <a:xfrm>
-            <a:off x="6858000" y="11811000"/>
+            <a:off x="6248400" y="11811000"/>
             <a:ext cx="609600" cy="0"/>
           </a:xfrm>
           <a:prstGeom prst="line">
@@ -24486,7 +24101,7 @@
         </p:nvCxnSpPr>
         <p:spPr>
           <a:xfrm flipV="1">
-            <a:off x="6781800" y="11811000"/>
+            <a:off x="6172200" y="11811000"/>
             <a:ext cx="76200" cy="76200"/>
           </a:xfrm>
           <a:prstGeom prst="line">
@@ -25324,14 +24939,15 @@
         <p:nvCxnSpPr>
           <p:cNvPr id="1231" name="Straight Connector 1230"/>
           <p:cNvCxnSpPr>
+            <a:stCxn id="780" idx="1"/>
             <a:endCxn id="1230" idx="1"/>
           </p:cNvCxnSpPr>
           <p:nvPr/>
         </p:nvCxnSpPr>
         <p:spPr>
           <a:xfrm>
-            <a:off x="7543800" y="12649200"/>
-            <a:ext cx="1143000" cy="0"/>
+            <a:off x="7772400" y="12649200"/>
+            <a:ext cx="914400" cy="0"/>
           </a:xfrm>
           <a:prstGeom prst="line">
             <a:avLst/>
@@ -25849,7 +25465,7 @@
         </p:nvCxnSpPr>
         <p:spPr>
           <a:xfrm flipV="1">
-            <a:off x="6781800" y="12649200"/>
+            <a:off x="6172200" y="12573000"/>
             <a:ext cx="76200" cy="76200"/>
           </a:xfrm>
           <a:prstGeom prst="line">
@@ -26038,13 +25654,6 @@
               </a:rPr>
               <a:t>CLK</a:t>
             </a:r>
-            <a:endParaRPr lang="en-US" sz="900" dirty="0">
-              <a:solidFill>
-                <a:srgbClr val="000000"/>
-              </a:solidFill>
-              <a:latin typeface="Courier New" panose="02070309020205020404" pitchFamily="49" charset="0"/>
-              <a:cs typeface="Courier New" panose="02070309020205020404" pitchFamily="49" charset="0"/>
-            </a:endParaRPr>
           </a:p>
         </p:txBody>
       </p:sp>
@@ -26171,13 +25780,6 @@
               </a:rPr>
               <a:t>RSTX</a:t>
             </a:r>
-            <a:endParaRPr lang="en-US" sz="900" dirty="0">
-              <a:solidFill>
-                <a:srgbClr val="000000"/>
-              </a:solidFill>
-              <a:latin typeface="Courier New" panose="02070309020205020404" pitchFamily="49" charset="0"/>
-              <a:cs typeface="Courier New" panose="02070309020205020404" pitchFamily="49" charset="0"/>
-            </a:endParaRPr>
           </a:p>
         </p:txBody>
       </p:sp>
@@ -26849,13 +26451,6 @@
               </a:rPr>
               <a:t>2</a:t>
             </a:r>
-            <a:endParaRPr lang="en-US" sz="900" dirty="0">
-              <a:solidFill>
-                <a:srgbClr val="000000"/>
-              </a:solidFill>
-              <a:latin typeface="Courier New" panose="02070309020205020404" pitchFamily="49" charset="0"/>
-              <a:cs typeface="Courier New" panose="02070309020205020404" pitchFamily="49" charset="0"/>
-            </a:endParaRPr>
           </a:p>
         </p:txBody>
       </p:sp>
@@ -27156,13 +26751,6 @@
               </a:rPr>
               <a:t>2</a:t>
             </a:r>
-            <a:endParaRPr lang="en-US" sz="900" dirty="0">
-              <a:solidFill>
-                <a:srgbClr val="000000"/>
-              </a:solidFill>
-              <a:latin typeface="Courier New" panose="02070309020205020404" pitchFamily="49" charset="0"/>
-              <a:cs typeface="Courier New" panose="02070309020205020404" pitchFamily="49" charset="0"/>
-            </a:endParaRPr>
           </a:p>
         </p:txBody>
       </p:sp>
@@ -27233,7 +26821,7 @@
         </p:nvSpPr>
         <p:spPr>
           <a:xfrm rot="5400000">
-            <a:off x="7086600" y="12496800"/>
+            <a:off x="6477000" y="12420600"/>
             <a:ext cx="304800" cy="304800"/>
           </a:xfrm>
           <a:prstGeom prst="triangle">
@@ -27284,7 +26872,7 @@
         </p:nvSpPr>
         <p:spPr>
           <a:xfrm>
-            <a:off x="7391400" y="12573000"/>
+            <a:off x="6781800" y="12496800"/>
             <a:ext cx="152400" cy="152400"/>
           </a:xfrm>
           <a:prstGeom prst="ellipse">
@@ -27337,7 +26925,7 @@
         </p:nvCxnSpPr>
         <p:spPr>
           <a:xfrm>
-            <a:off x="6858000" y="12649200"/>
+            <a:off x="6248400" y="12573000"/>
             <a:ext cx="228600" cy="0"/>
           </a:xfrm>
           <a:prstGeom prst="line">
@@ -27415,13 +27003,6 @@
               </a:rPr>
               <a:t>PATTERN</a:t>
             </a:r>
-            <a:endParaRPr lang="en-US" sz="900" dirty="0">
-              <a:solidFill>
-                <a:srgbClr val="000000"/>
-              </a:solidFill>
-              <a:latin typeface="Courier New" panose="02070309020205020404" pitchFamily="49" charset="0"/>
-              <a:cs typeface="Courier New" panose="02070309020205020404" pitchFamily="49" charset="0"/>
-            </a:endParaRPr>
           </a:p>
         </p:txBody>
       </p:sp>
@@ -27433,8 +27014,8 @@
         </p:nvCxnSpPr>
         <p:spPr>
           <a:xfrm>
-            <a:off x="6858000" y="12877800"/>
-            <a:ext cx="1828800" cy="0"/>
+            <a:off x="6248400" y="12877800"/>
+            <a:ext cx="2438400" cy="0"/>
           </a:xfrm>
           <a:prstGeom prst="line">
             <a:avLst/>
@@ -27470,7 +27051,7 @@
         </p:nvCxnSpPr>
         <p:spPr>
           <a:xfrm flipV="1">
-            <a:off x="6781800" y="12877800"/>
+            <a:off x="6172200" y="12877800"/>
             <a:ext cx="76200" cy="76200"/>
           </a:xfrm>
           <a:prstGeom prst="line">
@@ -27586,13 +27167,6 @@
               </a:rPr>
               <a:t>INV</a:t>
             </a:r>
-            <a:endParaRPr lang="en-US" sz="900" dirty="0">
-              <a:solidFill>
-                <a:srgbClr val="000000"/>
-              </a:solidFill>
-              <a:latin typeface="Courier New" panose="02070309020205020404" pitchFamily="49" charset="0"/>
-              <a:cs typeface="Courier New" panose="02070309020205020404" pitchFamily="49" charset="0"/>
-            </a:endParaRPr>
           </a:p>
         </p:txBody>
       </p:sp>
@@ -27646,13 +27220,6 @@
               </a:rPr>
               <a:t>1’b0</a:t>
             </a:r>
-            <a:endParaRPr lang="en-US" sz="900" dirty="0">
-              <a:solidFill>
-                <a:srgbClr val="000000"/>
-              </a:solidFill>
-              <a:latin typeface="Courier New" panose="02070309020205020404" pitchFamily="49" charset="0"/>
-              <a:cs typeface="Courier New" panose="02070309020205020404" pitchFamily="49" charset="0"/>
-            </a:endParaRPr>
           </a:p>
         </p:txBody>
       </p:sp>
@@ -27743,13 +27310,6 @@
               </a:rPr>
               <a:t>INV</a:t>
             </a:r>
-            <a:endParaRPr lang="en-US" sz="900" dirty="0">
-              <a:solidFill>
-                <a:srgbClr val="000000"/>
-              </a:solidFill>
-              <a:latin typeface="Courier New" panose="02070309020205020404" pitchFamily="49" charset="0"/>
-              <a:cs typeface="Courier New" panose="02070309020205020404" pitchFamily="49" charset="0"/>
-            </a:endParaRPr>
           </a:p>
         </p:txBody>
       </p:sp>
@@ -27803,13 +27363,6 @@
               </a:rPr>
               <a:t>1’b0</a:t>
             </a:r>
-            <a:endParaRPr lang="en-US" sz="900" dirty="0">
-              <a:solidFill>
-                <a:srgbClr val="000000"/>
-              </a:solidFill>
-              <a:latin typeface="Courier New" panose="02070309020205020404" pitchFamily="49" charset="0"/>
-              <a:cs typeface="Courier New" panose="02070309020205020404" pitchFamily="49" charset="0"/>
-            </a:endParaRPr>
           </a:p>
         </p:txBody>
       </p:sp>
@@ -27900,13 +27453,6 @@
               </a:rPr>
               <a:t>INV</a:t>
             </a:r>
-            <a:endParaRPr lang="en-US" sz="900" dirty="0">
-              <a:solidFill>
-                <a:srgbClr val="000000"/>
-              </a:solidFill>
-              <a:latin typeface="Courier New" panose="02070309020205020404" pitchFamily="49" charset="0"/>
-              <a:cs typeface="Courier New" panose="02070309020205020404" pitchFamily="49" charset="0"/>
-            </a:endParaRPr>
           </a:p>
         </p:txBody>
       </p:sp>
@@ -27960,13 +27506,6 @@
               </a:rPr>
               <a:t>1’b0</a:t>
             </a:r>
-            <a:endParaRPr lang="en-US" sz="900" dirty="0">
-              <a:solidFill>
-                <a:srgbClr val="000000"/>
-              </a:solidFill>
-              <a:latin typeface="Courier New" panose="02070309020205020404" pitchFamily="49" charset="0"/>
-              <a:cs typeface="Courier New" panose="02070309020205020404" pitchFamily="49" charset="0"/>
-            </a:endParaRPr>
           </a:p>
         </p:txBody>
       </p:sp>
@@ -28057,13 +27596,6 @@
               </a:rPr>
               <a:t>INV</a:t>
             </a:r>
-            <a:endParaRPr lang="en-US" sz="900" dirty="0">
-              <a:solidFill>
-                <a:srgbClr val="000000"/>
-              </a:solidFill>
-              <a:latin typeface="Courier New" panose="02070309020205020404" pitchFamily="49" charset="0"/>
-              <a:cs typeface="Courier New" panose="02070309020205020404" pitchFamily="49" charset="0"/>
-            </a:endParaRPr>
           </a:p>
         </p:txBody>
       </p:sp>
@@ -28117,13 +27649,6 @@
               </a:rPr>
               <a:t>1’b0</a:t>
             </a:r>
-            <a:endParaRPr lang="en-US" sz="900" dirty="0">
-              <a:solidFill>
-                <a:srgbClr val="000000"/>
-              </a:solidFill>
-              <a:latin typeface="Courier New" panose="02070309020205020404" pitchFamily="49" charset="0"/>
-              <a:cs typeface="Courier New" panose="02070309020205020404" pitchFamily="49" charset="0"/>
-            </a:endParaRPr>
           </a:p>
         </p:txBody>
       </p:sp>
@@ -28214,13 +27739,6 @@
               </a:rPr>
               <a:t>INV</a:t>
             </a:r>
-            <a:endParaRPr lang="en-US" sz="900" dirty="0">
-              <a:solidFill>
-                <a:srgbClr val="000000"/>
-              </a:solidFill>
-              <a:latin typeface="Courier New" panose="02070309020205020404" pitchFamily="49" charset="0"/>
-              <a:cs typeface="Courier New" panose="02070309020205020404" pitchFamily="49" charset="0"/>
-            </a:endParaRPr>
           </a:p>
         </p:txBody>
       </p:sp>
@@ -28274,13 +27792,6 @@
               </a:rPr>
               <a:t>1’b1</a:t>
             </a:r>
-            <a:endParaRPr lang="en-US" sz="900" dirty="0">
-              <a:solidFill>
-                <a:srgbClr val="000000"/>
-              </a:solidFill>
-              <a:latin typeface="Courier New" panose="02070309020205020404" pitchFamily="49" charset="0"/>
-              <a:cs typeface="Courier New" panose="02070309020205020404" pitchFamily="49" charset="0"/>
-            </a:endParaRPr>
           </a:p>
         </p:txBody>
       </p:sp>
@@ -28579,13 +28090,6 @@
               </a:rPr>
               <a:t>31</a:t>
             </a:r>
-            <a:endParaRPr lang="en-US" sz="900" dirty="0">
-              <a:solidFill>
-                <a:srgbClr val="000000"/>
-              </a:solidFill>
-              <a:latin typeface="Courier New" panose="02070309020205020404" pitchFamily="49" charset="0"/>
-              <a:cs typeface="Courier New" panose="02070309020205020404" pitchFamily="49" charset="0"/>
-            </a:endParaRPr>
           </a:p>
         </p:txBody>
       </p:sp>
@@ -28707,7 +28211,7 @@
         </p:nvSpPr>
         <p:spPr>
           <a:xfrm rot="5400000">
-            <a:off x="7315200" y="14859000"/>
+            <a:off x="6705600" y="14859000"/>
             <a:ext cx="457200" cy="152400"/>
           </a:xfrm>
           <a:prstGeom prst="trapezoid">
@@ -28755,7 +28259,7 @@
         </p:nvSpPr>
         <p:spPr>
           <a:xfrm>
-            <a:off x="7467600" y="14782800"/>
+            <a:off x="6858000" y="14782800"/>
             <a:ext cx="152400" cy="152400"/>
           </a:xfrm>
           <a:prstGeom prst="rect">
@@ -28807,7 +28311,7 @@
         </p:nvSpPr>
         <p:spPr>
           <a:xfrm>
-            <a:off x="7467600" y="14935200"/>
+            <a:off x="6858000" y="14935200"/>
             <a:ext cx="152400" cy="152400"/>
           </a:xfrm>
           <a:prstGeom prst="rect">
@@ -28859,7 +28363,7 @@
         </p:nvCxnSpPr>
         <p:spPr>
           <a:xfrm flipV="1">
-            <a:off x="7543800" y="15087600"/>
+            <a:off x="6934200" y="15087600"/>
             <a:ext cx="0" cy="228600"/>
           </a:xfrm>
           <a:prstGeom prst="line">
@@ -28896,7 +28400,7 @@
         </p:nvCxnSpPr>
         <p:spPr>
           <a:xfrm flipV="1">
-            <a:off x="6781800" y="15316200"/>
+            <a:off x="6172200" y="15316200"/>
             <a:ext cx="76200" cy="76200"/>
           </a:xfrm>
           <a:prstGeom prst="line">
@@ -29032,7 +28536,7 @@
         </p:nvCxnSpPr>
         <p:spPr>
           <a:xfrm>
-            <a:off x="7086600" y="14859000"/>
+            <a:off x="6477000" y="14859000"/>
             <a:ext cx="381000" cy="0"/>
           </a:xfrm>
           <a:prstGeom prst="line">
@@ -29069,7 +28573,7 @@
         </p:nvSpPr>
         <p:spPr>
           <a:xfrm>
-            <a:off x="6934200" y="14706600"/>
+            <a:off x="6324600" y="14706600"/>
             <a:ext cx="457200" cy="152400"/>
           </a:xfrm>
           <a:prstGeom prst="rect">
@@ -29121,7 +28625,7 @@
         </p:nvCxnSpPr>
         <p:spPr>
           <a:xfrm>
-            <a:off x="6858000" y="15316200"/>
+            <a:off x="6248400" y="15316200"/>
             <a:ext cx="685800" cy="0"/>
           </a:xfrm>
           <a:prstGeom prst="line">
@@ -29160,8 +28664,8 @@
         </p:nvCxnSpPr>
         <p:spPr>
           <a:xfrm>
-            <a:off x="7620000" y="14935200"/>
-            <a:ext cx="1600200" cy="0"/>
+            <a:off x="7010400" y="14935200"/>
+            <a:ext cx="2209800" cy="0"/>
           </a:xfrm>
           <a:prstGeom prst="line">
             <a:avLst/>
@@ -29197,7 +28701,7 @@
         </p:nvCxnSpPr>
         <p:spPr>
           <a:xfrm>
-            <a:off x="6858000" y="15011400"/>
+            <a:off x="6248400" y="15011400"/>
             <a:ext cx="609600" cy="0"/>
           </a:xfrm>
           <a:prstGeom prst="line">
@@ -29234,7 +28738,7 @@
         </p:nvCxnSpPr>
         <p:spPr>
           <a:xfrm flipV="1">
-            <a:off x="6781800" y="15011400"/>
+            <a:off x="6172200" y="15011400"/>
             <a:ext cx="76200" cy="76200"/>
           </a:xfrm>
           <a:prstGeom prst="line">
@@ -30072,14 +29576,15 @@
         <p:nvCxnSpPr>
           <p:cNvPr id="1336" name="Straight Connector 1335"/>
           <p:cNvCxnSpPr>
+            <a:stCxn id="786" idx="1"/>
             <a:endCxn id="1335" idx="1"/>
           </p:cNvCxnSpPr>
           <p:nvPr/>
         </p:nvCxnSpPr>
         <p:spPr>
           <a:xfrm>
-            <a:off x="7543800" y="15849600"/>
-            <a:ext cx="1143000" cy="0"/>
+            <a:off x="7772400" y="15849600"/>
+            <a:ext cx="914400" cy="0"/>
           </a:xfrm>
           <a:prstGeom prst="line">
             <a:avLst/>
@@ -30597,7 +30102,7 @@
         </p:nvCxnSpPr>
         <p:spPr>
           <a:xfrm flipV="1">
-            <a:off x="6781800" y="15849600"/>
+            <a:off x="6172200" y="15773400"/>
             <a:ext cx="76200" cy="76200"/>
           </a:xfrm>
           <a:prstGeom prst="line">
@@ -30786,13 +30291,6 @@
               </a:rPr>
               <a:t>CLK</a:t>
             </a:r>
-            <a:endParaRPr lang="en-US" sz="900" dirty="0">
-              <a:solidFill>
-                <a:srgbClr val="000000"/>
-              </a:solidFill>
-              <a:latin typeface="Courier New" panose="02070309020205020404" pitchFamily="49" charset="0"/>
-              <a:cs typeface="Courier New" panose="02070309020205020404" pitchFamily="49" charset="0"/>
-            </a:endParaRPr>
           </a:p>
         </p:txBody>
       </p:sp>
@@ -30919,13 +30417,6 @@
               </a:rPr>
               <a:t>RSTX</a:t>
             </a:r>
-            <a:endParaRPr lang="en-US" sz="900" dirty="0">
-              <a:solidFill>
-                <a:srgbClr val="000000"/>
-              </a:solidFill>
-              <a:latin typeface="Courier New" panose="02070309020205020404" pitchFamily="49" charset="0"/>
-              <a:cs typeface="Courier New" panose="02070309020205020404" pitchFamily="49" charset="0"/>
-            </a:endParaRPr>
           </a:p>
         </p:txBody>
       </p:sp>
@@ -31597,13 +31088,6 @@
               </a:rPr>
               <a:t>2</a:t>
             </a:r>
-            <a:endParaRPr lang="en-US" sz="900" dirty="0">
-              <a:solidFill>
-                <a:srgbClr val="000000"/>
-              </a:solidFill>
-              <a:latin typeface="Courier New" panose="02070309020205020404" pitchFamily="49" charset="0"/>
-              <a:cs typeface="Courier New" panose="02070309020205020404" pitchFamily="49" charset="0"/>
-            </a:endParaRPr>
           </a:p>
         </p:txBody>
       </p:sp>
@@ -31894,13 +31378,6 @@
               </a:rPr>
               <a:t>2</a:t>
             </a:r>
-            <a:endParaRPr lang="en-US" sz="900" dirty="0">
-              <a:solidFill>
-                <a:srgbClr val="000000"/>
-              </a:solidFill>
-              <a:latin typeface="Courier New" panose="02070309020205020404" pitchFamily="49" charset="0"/>
-              <a:cs typeface="Courier New" panose="02070309020205020404" pitchFamily="49" charset="0"/>
-            </a:endParaRPr>
           </a:p>
         </p:txBody>
       </p:sp>
@@ -31971,7 +31448,7 @@
         </p:nvSpPr>
         <p:spPr>
           <a:xfrm rot="5400000">
-            <a:off x="7086600" y="15697200"/>
+            <a:off x="6477000" y="15621000"/>
             <a:ext cx="304800" cy="304800"/>
           </a:xfrm>
           <a:prstGeom prst="triangle">
@@ -32022,7 +31499,7 @@
         </p:nvSpPr>
         <p:spPr>
           <a:xfrm>
-            <a:off x="7391400" y="15773400"/>
+            <a:off x="6781800" y="15697200"/>
             <a:ext cx="152400" cy="152400"/>
           </a:xfrm>
           <a:prstGeom prst="ellipse">
@@ -32075,7 +31552,7 @@
         </p:nvCxnSpPr>
         <p:spPr>
           <a:xfrm>
-            <a:off x="6858000" y="15849600"/>
+            <a:off x="6248400" y="15773400"/>
             <a:ext cx="228600" cy="0"/>
           </a:xfrm>
           <a:prstGeom prst="line">
@@ -32153,13 +31630,6 @@
               </a:rPr>
               <a:t>PATTERN</a:t>
             </a:r>
-            <a:endParaRPr lang="en-US" sz="900" dirty="0">
-              <a:solidFill>
-                <a:srgbClr val="000000"/>
-              </a:solidFill>
-              <a:latin typeface="Courier New" panose="02070309020205020404" pitchFamily="49" charset="0"/>
-              <a:cs typeface="Courier New" panose="02070309020205020404" pitchFamily="49" charset="0"/>
-            </a:endParaRPr>
           </a:p>
         </p:txBody>
       </p:sp>
@@ -32171,8 +31641,8 @@
         </p:nvCxnSpPr>
         <p:spPr>
           <a:xfrm>
-            <a:off x="6858000" y="16078200"/>
-            <a:ext cx="1828800" cy="0"/>
+            <a:off x="6248400" y="16078200"/>
+            <a:ext cx="2438400" cy="0"/>
           </a:xfrm>
           <a:prstGeom prst="line">
             <a:avLst/>
@@ -32208,7 +31678,7 @@
         </p:nvCxnSpPr>
         <p:spPr>
           <a:xfrm flipV="1">
-            <a:off x="6781800" y="16078200"/>
+            <a:off x="6172200" y="16078200"/>
             <a:ext cx="76200" cy="76200"/>
           </a:xfrm>
           <a:prstGeom prst="line">
@@ -33046,14 +32516,15 @@
         <p:nvCxnSpPr>
           <p:cNvPr id="1403" name="Straight Connector 1402"/>
           <p:cNvCxnSpPr>
+            <a:stCxn id="797" idx="1"/>
             <a:endCxn id="1402" idx="1"/>
           </p:cNvCxnSpPr>
           <p:nvPr/>
         </p:nvCxnSpPr>
         <p:spPr>
           <a:xfrm>
-            <a:off x="7543800" y="18288000"/>
-            <a:ext cx="1143000" cy="0"/>
+            <a:off x="7772400" y="18288000"/>
+            <a:ext cx="914400" cy="0"/>
           </a:xfrm>
           <a:prstGeom prst="line">
             <a:avLst/>
@@ -33571,7 +33042,7 @@
         </p:nvCxnSpPr>
         <p:spPr>
           <a:xfrm flipV="1">
-            <a:off x="6781800" y="18288000"/>
+            <a:off x="6172200" y="18211800"/>
             <a:ext cx="76200" cy="76200"/>
           </a:xfrm>
           <a:prstGeom prst="line">
@@ -33608,7 +33079,7 @@
         </p:nvSpPr>
         <p:spPr>
           <a:xfrm>
-            <a:off x="6324600" y="18516600"/>
+            <a:off x="5715000" y="18516600"/>
             <a:ext cx="457200" cy="152400"/>
           </a:xfrm>
           <a:prstGeom prst="rect">
@@ -33660,13 +33131,6 @@
               </a:rPr>
               <a:t>]</a:t>
             </a:r>
-            <a:endParaRPr lang="en-US" sz="900" dirty="0">
-              <a:solidFill>
-                <a:srgbClr val="000000"/>
-              </a:solidFill>
-              <a:latin typeface="Courier New" panose="02070309020205020404" pitchFamily="49" charset="0"/>
-              <a:cs typeface="Courier New" panose="02070309020205020404" pitchFamily="49" charset="0"/>
-            </a:endParaRPr>
           </a:p>
         </p:txBody>
       </p:sp>
@@ -33830,13 +33294,6 @@
               </a:rPr>
               <a:t>CLK</a:t>
             </a:r>
-            <a:endParaRPr lang="en-US" sz="900" dirty="0">
-              <a:solidFill>
-                <a:srgbClr val="000000"/>
-              </a:solidFill>
-              <a:latin typeface="Courier New" panose="02070309020205020404" pitchFamily="49" charset="0"/>
-              <a:cs typeface="Courier New" panose="02070309020205020404" pitchFamily="49" charset="0"/>
-            </a:endParaRPr>
           </a:p>
         </p:txBody>
       </p:sp>
@@ -33963,13 +33420,6 @@
               </a:rPr>
               <a:t>RSTX</a:t>
             </a:r>
-            <a:endParaRPr lang="en-US" sz="900" dirty="0">
-              <a:solidFill>
-                <a:srgbClr val="000000"/>
-              </a:solidFill>
-              <a:latin typeface="Courier New" panose="02070309020205020404" pitchFamily="49" charset="0"/>
-              <a:cs typeface="Courier New" panose="02070309020205020404" pitchFamily="49" charset="0"/>
-            </a:endParaRPr>
           </a:p>
         </p:txBody>
       </p:sp>
@@ -34641,13 +34091,6 @@
               </a:rPr>
               <a:t>2</a:t>
             </a:r>
-            <a:endParaRPr lang="en-US" sz="900" dirty="0">
-              <a:solidFill>
-                <a:srgbClr val="000000"/>
-              </a:solidFill>
-              <a:latin typeface="Courier New" panose="02070309020205020404" pitchFamily="49" charset="0"/>
-              <a:cs typeface="Courier New" panose="02070309020205020404" pitchFamily="49" charset="0"/>
-            </a:endParaRPr>
           </a:p>
         </p:txBody>
       </p:sp>
@@ -34938,13 +34381,6 @@
               </a:rPr>
               <a:t>2</a:t>
             </a:r>
-            <a:endParaRPr lang="en-US" sz="900" dirty="0">
-              <a:solidFill>
-                <a:srgbClr val="000000"/>
-              </a:solidFill>
-              <a:latin typeface="Courier New" panose="02070309020205020404" pitchFamily="49" charset="0"/>
-              <a:cs typeface="Courier New" panose="02070309020205020404" pitchFamily="49" charset="0"/>
-            </a:endParaRPr>
           </a:p>
         </p:txBody>
       </p:sp>
@@ -35015,7 +34451,7 @@
         </p:nvSpPr>
         <p:spPr>
           <a:xfrm rot="5400000">
-            <a:off x="7086600" y="18135600"/>
+            <a:off x="6477000" y="18059400"/>
             <a:ext cx="304800" cy="304800"/>
           </a:xfrm>
           <a:prstGeom prst="triangle">
@@ -35066,7 +34502,7 @@
         </p:nvSpPr>
         <p:spPr>
           <a:xfrm>
-            <a:off x="7391400" y="18211800"/>
+            <a:off x="6781800" y="18135600"/>
             <a:ext cx="152400" cy="152400"/>
           </a:xfrm>
           <a:prstGeom prst="ellipse">
@@ -35119,7 +34555,7 @@
         </p:nvCxnSpPr>
         <p:spPr>
           <a:xfrm>
-            <a:off x="6858000" y="18288000"/>
+            <a:off x="6248400" y="18211800"/>
             <a:ext cx="228600" cy="0"/>
           </a:xfrm>
           <a:prstGeom prst="line">
@@ -35197,13 +34633,6 @@
               </a:rPr>
               <a:t>PATTERN</a:t>
             </a:r>
-            <a:endParaRPr lang="en-US" sz="900" dirty="0">
-              <a:solidFill>
-                <a:srgbClr val="000000"/>
-              </a:solidFill>
-              <a:latin typeface="Courier New" panose="02070309020205020404" pitchFamily="49" charset="0"/>
-              <a:cs typeface="Courier New" panose="02070309020205020404" pitchFamily="49" charset="0"/>
-            </a:endParaRPr>
           </a:p>
         </p:txBody>
       </p:sp>
@@ -35215,8 +34644,8 @@
         </p:nvCxnSpPr>
         <p:spPr>
           <a:xfrm>
-            <a:off x="6858000" y="18516600"/>
-            <a:ext cx="1828800" cy="0"/>
+            <a:off x="6248400" y="18516600"/>
+            <a:ext cx="2438400" cy="0"/>
           </a:xfrm>
           <a:prstGeom prst="line">
             <a:avLst/>
@@ -35252,7 +34681,7 @@
         </p:nvCxnSpPr>
         <p:spPr>
           <a:xfrm flipV="1">
-            <a:off x="6781800" y="18516600"/>
+            <a:off x="6172200" y="18516600"/>
             <a:ext cx="76200" cy="76200"/>
           </a:xfrm>
           <a:prstGeom prst="line">
@@ -35368,13 +34797,6 @@
               </a:rPr>
               <a:t>INV</a:t>
             </a:r>
-            <a:endParaRPr lang="en-US" sz="900" dirty="0">
-              <a:solidFill>
-                <a:srgbClr val="000000"/>
-              </a:solidFill>
-              <a:latin typeface="Courier New" panose="02070309020205020404" pitchFamily="49" charset="0"/>
-              <a:cs typeface="Courier New" panose="02070309020205020404" pitchFamily="49" charset="0"/>
-            </a:endParaRPr>
           </a:p>
         </p:txBody>
       </p:sp>
@@ -35428,13 +34850,6 @@
               </a:rPr>
               <a:t>1’b0</a:t>
             </a:r>
-            <a:endParaRPr lang="en-US" sz="900" dirty="0">
-              <a:solidFill>
-                <a:srgbClr val="000000"/>
-              </a:solidFill>
-              <a:latin typeface="Courier New" panose="02070309020205020404" pitchFamily="49" charset="0"/>
-              <a:cs typeface="Courier New" panose="02070309020205020404" pitchFamily="49" charset="0"/>
-            </a:endParaRPr>
           </a:p>
         </p:txBody>
       </p:sp>
@@ -35525,13 +34940,6 @@
               </a:rPr>
               <a:t>INV</a:t>
             </a:r>
-            <a:endParaRPr lang="en-US" sz="900" dirty="0">
-              <a:solidFill>
-                <a:srgbClr val="000000"/>
-              </a:solidFill>
-              <a:latin typeface="Courier New" panose="02070309020205020404" pitchFamily="49" charset="0"/>
-              <a:cs typeface="Courier New" panose="02070309020205020404" pitchFamily="49" charset="0"/>
-            </a:endParaRPr>
           </a:p>
         </p:txBody>
       </p:sp>
@@ -35585,13 +34993,6 @@
               </a:rPr>
               <a:t>1’b0</a:t>
             </a:r>
-            <a:endParaRPr lang="en-US" sz="900" dirty="0">
-              <a:solidFill>
-                <a:srgbClr val="000000"/>
-              </a:solidFill>
-              <a:latin typeface="Courier New" panose="02070309020205020404" pitchFamily="49" charset="0"/>
-              <a:cs typeface="Courier New" panose="02070309020205020404" pitchFamily="49" charset="0"/>
-            </a:endParaRPr>
           </a:p>
         </p:txBody>
       </p:sp>
@@ -35603,7 +35004,7 @@
         </p:nvCxnSpPr>
         <p:spPr>
           <a:xfrm>
-            <a:off x="3429000" y="23469600"/>
+            <a:off x="2819400" y="23469600"/>
             <a:ext cx="304800" cy="0"/>
           </a:xfrm>
           <a:prstGeom prst="line">
@@ -35640,7 +35041,7 @@
         </p:nvSpPr>
         <p:spPr>
           <a:xfrm>
-            <a:off x="3276600" y="23317200"/>
+            <a:off x="2667000" y="23317200"/>
             <a:ext cx="457200" cy="152400"/>
           </a:xfrm>
           <a:prstGeom prst="rect">
@@ -35729,7 +35130,7 @@
         </p:nvCxnSpPr>
         <p:spPr>
           <a:xfrm>
-            <a:off x="6781800" y="23774400"/>
+            <a:off x="6172200" y="23774400"/>
             <a:ext cx="76200" cy="76200"/>
           </a:xfrm>
           <a:prstGeom prst="line">
@@ -35766,8 +35167,8 @@
         </p:nvCxnSpPr>
         <p:spPr>
           <a:xfrm>
-            <a:off x="6858000" y="23850600"/>
-            <a:ext cx="6934200" cy="0"/>
+            <a:off x="6248400" y="23850600"/>
+            <a:ext cx="7543800" cy="0"/>
           </a:xfrm>
           <a:prstGeom prst="line">
             <a:avLst/>
@@ -35877,7 +35278,7 @@
         </p:nvSpPr>
         <p:spPr>
           <a:xfrm>
-            <a:off x="1219200" y="20802600"/>
+            <a:off x="609600" y="20802600"/>
             <a:ext cx="228600" cy="152400"/>
           </a:xfrm>
           <a:prstGeom prst="homePlate">
@@ -35928,7 +35329,7 @@
         </p:nvCxnSpPr>
         <p:spPr>
           <a:xfrm flipV="1">
-            <a:off x="1524000" y="20802600"/>
+            <a:off x="914400" y="20802600"/>
             <a:ext cx="152400" cy="152400"/>
           </a:xfrm>
           <a:prstGeom prst="line">
@@ -35965,7 +35366,7 @@
         </p:nvSpPr>
         <p:spPr>
           <a:xfrm>
-            <a:off x="1524000" y="20726400"/>
+            <a:off x="914400" y="20726400"/>
             <a:ext cx="152400" cy="76200"/>
           </a:xfrm>
           <a:prstGeom prst="rect">
@@ -36018,7 +35419,7 @@
         </p:nvSpPr>
         <p:spPr>
           <a:xfrm>
-            <a:off x="1752600" y="20726400"/>
+            <a:off x="1143000" y="20726400"/>
             <a:ext cx="457200" cy="152400"/>
           </a:xfrm>
           <a:prstGeom prst="rect">
@@ -36079,8 +35480,8 @@
         </p:nvCxnSpPr>
         <p:spPr>
           <a:xfrm>
-            <a:off x="1447800" y="20878800"/>
-            <a:ext cx="6400800" cy="0"/>
+            <a:off x="838200" y="20878800"/>
+            <a:ext cx="7010400" cy="0"/>
           </a:xfrm>
           <a:prstGeom prst="line">
             <a:avLst/>
@@ -36116,7 +35517,7 @@
         </p:nvSpPr>
         <p:spPr>
           <a:xfrm>
-            <a:off x="1219200" y="20574000"/>
+            <a:off x="609600" y="20574000"/>
             <a:ext cx="228600" cy="152400"/>
           </a:xfrm>
           <a:prstGeom prst="homePlate">
@@ -36167,7 +35568,7 @@
         </p:nvCxnSpPr>
         <p:spPr>
           <a:xfrm flipV="1">
-            <a:off x="1524000" y="20574000"/>
+            <a:off x="914400" y="20574000"/>
             <a:ext cx="152400" cy="152400"/>
           </a:xfrm>
           <a:prstGeom prst="line">
@@ -36204,7 +35605,7 @@
         </p:nvSpPr>
         <p:spPr>
           <a:xfrm>
-            <a:off x="1524000" y="20497800"/>
+            <a:off x="914400" y="20497800"/>
             <a:ext cx="152400" cy="76200"/>
           </a:xfrm>
           <a:prstGeom prst="rect">
@@ -36257,7 +35658,7 @@
         </p:nvSpPr>
         <p:spPr>
           <a:xfrm>
-            <a:off x="1752600" y="20497800"/>
+            <a:off x="1143000" y="20497800"/>
             <a:ext cx="457200" cy="152400"/>
           </a:xfrm>
           <a:prstGeom prst="rect">
@@ -36318,8 +35719,8 @@
         </p:nvCxnSpPr>
         <p:spPr>
           <a:xfrm>
-            <a:off x="1447800" y="20650200"/>
-            <a:ext cx="6400800" cy="0"/>
+            <a:off x="838200" y="20650200"/>
+            <a:ext cx="7010400" cy="0"/>
           </a:xfrm>
           <a:prstGeom prst="line">
             <a:avLst/>
@@ -36355,7 +35756,7 @@
         </p:nvSpPr>
         <p:spPr>
           <a:xfrm>
-            <a:off x="1219200" y="20345400"/>
+            <a:off x="609600" y="20345400"/>
             <a:ext cx="228600" cy="152400"/>
           </a:xfrm>
           <a:prstGeom prst="homePlate">
@@ -36406,7 +35807,7 @@
         </p:nvCxnSpPr>
         <p:spPr>
           <a:xfrm flipV="1">
-            <a:off x="1524000" y="20345400"/>
+            <a:off x="914400" y="20345400"/>
             <a:ext cx="152400" cy="152400"/>
           </a:xfrm>
           <a:prstGeom prst="line">
@@ -36443,7 +35844,7 @@
         </p:nvSpPr>
         <p:spPr>
           <a:xfrm>
-            <a:off x="1524000" y="20269200"/>
+            <a:off x="914400" y="20269200"/>
             <a:ext cx="152400" cy="76200"/>
           </a:xfrm>
           <a:prstGeom prst="rect">
@@ -36496,7 +35897,7 @@
         </p:nvSpPr>
         <p:spPr>
           <a:xfrm>
-            <a:off x="1752600" y="20269200"/>
+            <a:off x="1143000" y="20269200"/>
             <a:ext cx="457200" cy="152400"/>
           </a:xfrm>
           <a:prstGeom prst="rect">
@@ -36557,8 +35958,8 @@
         </p:nvCxnSpPr>
         <p:spPr>
           <a:xfrm>
-            <a:off x="1447800" y="20421600"/>
-            <a:ext cx="6400800" cy="0"/>
+            <a:off x="838200" y="20421600"/>
+            <a:ext cx="7010400" cy="0"/>
           </a:xfrm>
           <a:prstGeom prst="line">
             <a:avLst/>
@@ -36594,7 +35995,7 @@
         </p:nvSpPr>
         <p:spPr>
           <a:xfrm>
-            <a:off x="1219200" y="20116800"/>
+            <a:off x="609600" y="20116800"/>
             <a:ext cx="228600" cy="152400"/>
           </a:xfrm>
           <a:prstGeom prst="homePlate">
@@ -36645,7 +36046,7 @@
         </p:nvCxnSpPr>
         <p:spPr>
           <a:xfrm flipV="1">
-            <a:off x="1524000" y="20116800"/>
+            <a:off x="914400" y="20116800"/>
             <a:ext cx="152400" cy="152400"/>
           </a:xfrm>
           <a:prstGeom prst="line">
@@ -36682,7 +36083,7 @@
         </p:nvSpPr>
         <p:spPr>
           <a:xfrm>
-            <a:off x="1524000" y="20040600"/>
+            <a:off x="914400" y="20040600"/>
             <a:ext cx="152400" cy="76200"/>
           </a:xfrm>
           <a:prstGeom prst="rect">
@@ -36735,7 +36136,7 @@
         </p:nvSpPr>
         <p:spPr>
           <a:xfrm>
-            <a:off x="1752600" y="20040600"/>
+            <a:off x="1143000" y="20040600"/>
             <a:ext cx="457200" cy="152400"/>
           </a:xfrm>
           <a:prstGeom prst="rect">
@@ -36796,8 +36197,8 @@
         </p:nvCxnSpPr>
         <p:spPr>
           <a:xfrm>
-            <a:off x="1447800" y="20193000"/>
-            <a:ext cx="6400800" cy="0"/>
+            <a:off x="838200" y="20193000"/>
+            <a:ext cx="7010400" cy="0"/>
           </a:xfrm>
           <a:prstGeom prst="line">
             <a:avLst/>
@@ -37055,7 +36456,7 @@
         </p:nvCxnSpPr>
         <p:spPr>
           <a:xfrm>
-            <a:off x="2667000" y="21717000"/>
+            <a:off x="2057400" y="21717000"/>
             <a:ext cx="304800" cy="0"/>
           </a:xfrm>
           <a:prstGeom prst="line">
@@ -37092,7 +36493,7 @@
         </p:nvCxnSpPr>
         <p:spPr>
           <a:xfrm>
-            <a:off x="2667000" y="21336000"/>
+            <a:off x="2057400" y="21336000"/>
             <a:ext cx="0" cy="381000"/>
           </a:xfrm>
           <a:prstGeom prst="line">
@@ -37129,7 +36530,7 @@
         </p:nvCxnSpPr>
         <p:spPr>
           <a:xfrm>
-            <a:off x="2514600" y="22174200"/>
+            <a:off x="1905000" y="22174200"/>
             <a:ext cx="457200" cy="0"/>
           </a:xfrm>
           <a:prstGeom prst="line">
@@ -37166,7 +36567,7 @@
         </p:nvCxnSpPr>
         <p:spPr>
           <a:xfrm>
-            <a:off x="2514600" y="21107400"/>
+            <a:off x="1905000" y="21107400"/>
             <a:ext cx="0" cy="1066800"/>
           </a:xfrm>
           <a:prstGeom prst="line">
@@ -37203,7 +36604,7 @@
         </p:nvSpPr>
         <p:spPr>
           <a:xfrm>
-            <a:off x="6324600" y="23774400"/>
+            <a:off x="5715000" y="23774400"/>
             <a:ext cx="457200" cy="152400"/>
           </a:xfrm>
           <a:prstGeom prst="rect">
@@ -37263,7 +36664,7 @@
         </p:nvSpPr>
         <p:spPr>
           <a:xfrm>
-            <a:off x="6324600" y="18288000"/>
+            <a:off x="5715000" y="18211800"/>
             <a:ext cx="457200" cy="152400"/>
           </a:xfrm>
           <a:prstGeom prst="rect">
@@ -37323,7 +36724,7 @@
         </p:nvSpPr>
         <p:spPr>
           <a:xfrm>
-            <a:off x="6324600" y="16078200"/>
+            <a:off x="5715000" y="16078200"/>
             <a:ext cx="457200" cy="152400"/>
           </a:xfrm>
           <a:prstGeom prst="rect">
@@ -37375,13 +36776,6 @@
               </a:rPr>
               <a:t>]</a:t>
             </a:r>
-            <a:endParaRPr lang="en-US" sz="900" dirty="0">
-              <a:solidFill>
-                <a:srgbClr val="000000"/>
-              </a:solidFill>
-              <a:latin typeface="Courier New" panose="02070309020205020404" pitchFamily="49" charset="0"/>
-              <a:cs typeface="Courier New" panose="02070309020205020404" pitchFamily="49" charset="0"/>
-            </a:endParaRPr>
           </a:p>
         </p:txBody>
       </p:sp>
@@ -37393,7 +36787,7 @@
         </p:nvSpPr>
         <p:spPr>
           <a:xfrm>
-            <a:off x="6324600" y="15849600"/>
+            <a:off x="5715000" y="15773400"/>
             <a:ext cx="457200" cy="152400"/>
           </a:xfrm>
           <a:prstGeom prst="rect">
@@ -37453,7 +36847,7 @@
         </p:nvSpPr>
         <p:spPr>
           <a:xfrm>
-            <a:off x="6324600" y="15316200"/>
+            <a:off x="5715000" y="15316200"/>
             <a:ext cx="457200" cy="152400"/>
           </a:xfrm>
           <a:prstGeom prst="rect">
@@ -37513,7 +36907,7 @@
         </p:nvSpPr>
         <p:spPr>
           <a:xfrm>
-            <a:off x="6324600" y="15011400"/>
+            <a:off x="5715000" y="15011400"/>
             <a:ext cx="457200" cy="152400"/>
           </a:xfrm>
           <a:prstGeom prst="rect">
@@ -37573,7 +36967,7 @@
         </p:nvSpPr>
         <p:spPr>
           <a:xfrm>
-            <a:off x="6324600" y="12877800"/>
+            <a:off x="5715000" y="12877800"/>
             <a:ext cx="457200" cy="152400"/>
           </a:xfrm>
           <a:prstGeom prst="rect">
@@ -37625,13 +37019,6 @@
               </a:rPr>
               <a:t>]</a:t>
             </a:r>
-            <a:endParaRPr lang="en-US" sz="900" dirty="0">
-              <a:solidFill>
-                <a:srgbClr val="000000"/>
-              </a:solidFill>
-              <a:latin typeface="Courier New" panose="02070309020205020404" pitchFamily="49" charset="0"/>
-              <a:cs typeface="Courier New" panose="02070309020205020404" pitchFamily="49" charset="0"/>
-            </a:endParaRPr>
           </a:p>
         </p:txBody>
       </p:sp>
@@ -37643,7 +37030,7 @@
         </p:nvSpPr>
         <p:spPr>
           <a:xfrm>
-            <a:off x="6324600" y="12649200"/>
+            <a:off x="5715000" y="12573000"/>
             <a:ext cx="457200" cy="152400"/>
           </a:xfrm>
           <a:prstGeom prst="rect">
@@ -37703,7 +37090,7 @@
         </p:nvSpPr>
         <p:spPr>
           <a:xfrm>
-            <a:off x="6324600" y="12115800"/>
+            <a:off x="5715000" y="12115800"/>
             <a:ext cx="457200" cy="152400"/>
           </a:xfrm>
           <a:prstGeom prst="rect">
@@ -37763,7 +37150,7 @@
         </p:nvSpPr>
         <p:spPr>
           <a:xfrm>
-            <a:off x="6324600" y="11811000"/>
+            <a:off x="5715000" y="11811000"/>
             <a:ext cx="457200" cy="152400"/>
           </a:xfrm>
           <a:prstGeom prst="rect">
@@ -37823,7 +37210,7 @@
         </p:nvSpPr>
         <p:spPr>
           <a:xfrm>
-            <a:off x="6324600" y="9677400"/>
+            <a:off x="5715000" y="9677400"/>
             <a:ext cx="457200" cy="152400"/>
           </a:xfrm>
           <a:prstGeom prst="rect">
@@ -37875,13 +37262,6 @@
               </a:rPr>
               <a:t>]</a:t>
             </a:r>
-            <a:endParaRPr lang="en-US" sz="900" dirty="0">
-              <a:solidFill>
-                <a:srgbClr val="000000"/>
-              </a:solidFill>
-              <a:latin typeface="Courier New" panose="02070309020205020404" pitchFamily="49" charset="0"/>
-              <a:cs typeface="Courier New" panose="02070309020205020404" pitchFamily="49" charset="0"/>
-            </a:endParaRPr>
           </a:p>
         </p:txBody>
       </p:sp>
@@ -37893,7 +37273,7 @@
         </p:nvSpPr>
         <p:spPr>
           <a:xfrm>
-            <a:off x="6324600" y="9448800"/>
+            <a:off x="5715000" y="9372600"/>
             <a:ext cx="457200" cy="152400"/>
           </a:xfrm>
           <a:prstGeom prst="rect">
@@ -37953,7 +37333,7 @@
         </p:nvSpPr>
         <p:spPr>
           <a:xfrm>
-            <a:off x="6324600" y="7239000"/>
+            <a:off x="5715000" y="7239000"/>
             <a:ext cx="457200" cy="152400"/>
           </a:xfrm>
           <a:prstGeom prst="rect">
@@ -38005,13 +37385,6 @@
               </a:rPr>
               <a:t>]</a:t>
             </a:r>
-            <a:endParaRPr lang="en-US" sz="900" dirty="0">
-              <a:solidFill>
-                <a:srgbClr val="000000"/>
-              </a:solidFill>
-              <a:latin typeface="Courier New" panose="02070309020205020404" pitchFamily="49" charset="0"/>
-              <a:cs typeface="Courier New" panose="02070309020205020404" pitchFamily="49" charset="0"/>
-            </a:endParaRPr>
           </a:p>
         </p:txBody>
       </p:sp>
@@ -38023,7 +37396,7 @@
         </p:nvSpPr>
         <p:spPr>
           <a:xfrm>
-            <a:off x="6324600" y="7010400"/>
+            <a:off x="5715000" y="6934200"/>
             <a:ext cx="457200" cy="152400"/>
           </a:xfrm>
           <a:prstGeom prst="rect">
@@ -38083,7 +37456,7 @@
         </p:nvSpPr>
         <p:spPr>
           <a:xfrm>
-            <a:off x="6324600" y="6477000"/>
+            <a:off x="5715000" y="6477000"/>
             <a:ext cx="457200" cy="152400"/>
           </a:xfrm>
           <a:prstGeom prst="rect">
@@ -38143,7 +37516,7 @@
         </p:nvSpPr>
         <p:spPr>
           <a:xfrm>
-            <a:off x="6324600" y="6172200"/>
+            <a:off x="5715000" y="6172200"/>
             <a:ext cx="457200" cy="152400"/>
           </a:xfrm>
           <a:prstGeom prst="rect">
@@ -38203,7 +37576,7 @@
         </p:nvSpPr>
         <p:spPr>
           <a:xfrm>
-            <a:off x="6324600" y="3810000"/>
+            <a:off x="5715000" y="3733800"/>
             <a:ext cx="457200" cy="152400"/>
           </a:xfrm>
           <a:prstGeom prst="rect">
@@ -38263,7 +37636,7 @@
         </p:nvSpPr>
         <p:spPr>
           <a:xfrm>
-            <a:off x="6324600" y="1371600"/>
+            <a:off x="5715000" y="1295400"/>
             <a:ext cx="457200" cy="152400"/>
           </a:xfrm>
           <a:prstGeom prst="rect">
@@ -38315,6 +37688,1156 @@
           </a:p>
         </p:txBody>
       </p:sp>
+      <p:sp>
+        <p:nvSpPr>
+          <p:cNvPr id="751" name="Moon 750"/>
+          <p:cNvSpPr/>
+          <p:nvPr/>
+        </p:nvSpPr>
+        <p:spPr>
+          <a:xfrm rot="10800000">
+            <a:off x="7467600" y="1219200"/>
+            <a:ext cx="304800" cy="304800"/>
+          </a:xfrm>
+          <a:prstGeom prst="moon">
+            <a:avLst>
+              <a:gd name="adj" fmla="val 74720"/>
+            </a:avLst>
+          </a:prstGeom>
+          <a:solidFill>
+            <a:schemeClr val="bg1"/>
+          </a:solidFill>
+          <a:ln w="12700">
+            <a:solidFill>
+              <a:srgbClr val="000000"/>
+            </a:solidFill>
+          </a:ln>
+        </p:spPr>
+        <p:style>
+          <a:lnRef idx="2">
+            <a:schemeClr val="accent1">
+              <a:shade val="50000"/>
+            </a:schemeClr>
+          </a:lnRef>
+          <a:fillRef idx="1">
+            <a:schemeClr val="accent1"/>
+          </a:fillRef>
+          <a:effectRef idx="0">
+            <a:schemeClr val="accent1"/>
+          </a:effectRef>
+          <a:fontRef idx="minor">
+            <a:schemeClr val="lt1"/>
+          </a:fontRef>
+        </p:style>
+        <p:txBody>
+          <a:bodyPr rtlCol="0" anchor="ctr"/>
+          <a:lstStyle/>
+          <a:p>
+            <a:pPr algn="ctr"/>
+            <a:endParaRPr lang="en-US" sz="3730"/>
+          </a:p>
+        </p:txBody>
+      </p:sp>
+      <p:cxnSp>
+        <p:nvCxnSpPr>
+          <p:cNvPr id="754" name="Straight Connector 753"/>
+          <p:cNvCxnSpPr>
+            <a:stCxn id="948" idx="6"/>
+          </p:cNvCxnSpPr>
+          <p:nvPr/>
+        </p:nvCxnSpPr>
+        <p:spPr>
+          <a:xfrm>
+            <a:off x="6934200" y="1295400"/>
+            <a:ext cx="609600" cy="0"/>
+          </a:xfrm>
+          <a:prstGeom prst="line">
+            <a:avLst/>
+          </a:prstGeom>
+          <a:ln w="12700">
+            <a:solidFill>
+              <a:srgbClr val="000000"/>
+            </a:solidFill>
+            <a:headEnd type="none" w="med" len="med"/>
+            <a:tailEnd type="none" w="med" len="med"/>
+          </a:ln>
+        </p:spPr>
+        <p:style>
+          <a:lnRef idx="1">
+            <a:schemeClr val="accent1"/>
+          </a:lnRef>
+          <a:fillRef idx="0">
+            <a:schemeClr val="accent1"/>
+          </a:fillRef>
+          <a:effectRef idx="0">
+            <a:schemeClr val="accent1"/>
+          </a:effectRef>
+          <a:fontRef idx="minor">
+            <a:schemeClr val="tx1"/>
+          </a:fontRef>
+        </p:style>
+      </p:cxnSp>
+      <p:cxnSp>
+        <p:nvCxnSpPr>
+          <p:cNvPr id="756" name="Straight Connector 755"/>
+          <p:cNvCxnSpPr/>
+          <p:nvPr/>
+        </p:nvCxnSpPr>
+        <p:spPr>
+          <a:xfrm>
+            <a:off x="7239000" y="1447800"/>
+            <a:ext cx="304800" cy="0"/>
+          </a:xfrm>
+          <a:prstGeom prst="line">
+            <a:avLst/>
+          </a:prstGeom>
+          <a:ln w="12700">
+            <a:solidFill>
+              <a:srgbClr val="000000"/>
+            </a:solidFill>
+            <a:headEnd type="none" w="med" len="med"/>
+            <a:tailEnd type="none" w="med" len="med"/>
+          </a:ln>
+        </p:spPr>
+        <p:style>
+          <a:lnRef idx="1">
+            <a:schemeClr val="accent1"/>
+          </a:lnRef>
+          <a:fillRef idx="0">
+            <a:schemeClr val="accent1"/>
+          </a:fillRef>
+          <a:effectRef idx="0">
+            <a:schemeClr val="accent1"/>
+          </a:effectRef>
+          <a:fontRef idx="minor">
+            <a:schemeClr val="tx1"/>
+          </a:fontRef>
+        </p:style>
+      </p:cxnSp>
+      <p:sp>
+        <p:nvSpPr>
+          <p:cNvPr id="759" name="Moon 758"/>
+          <p:cNvSpPr/>
+          <p:nvPr/>
+        </p:nvSpPr>
+        <p:spPr>
+          <a:xfrm rot="10800000">
+            <a:off x="7467600" y="3657600"/>
+            <a:ext cx="304800" cy="304800"/>
+          </a:xfrm>
+          <a:prstGeom prst="moon">
+            <a:avLst>
+              <a:gd name="adj" fmla="val 74720"/>
+            </a:avLst>
+          </a:prstGeom>
+          <a:solidFill>
+            <a:schemeClr val="bg1"/>
+          </a:solidFill>
+          <a:ln w="12700">
+            <a:solidFill>
+              <a:srgbClr val="000000"/>
+            </a:solidFill>
+          </a:ln>
+        </p:spPr>
+        <p:style>
+          <a:lnRef idx="2">
+            <a:schemeClr val="accent1">
+              <a:shade val="50000"/>
+            </a:schemeClr>
+          </a:lnRef>
+          <a:fillRef idx="1">
+            <a:schemeClr val="accent1"/>
+          </a:fillRef>
+          <a:effectRef idx="0">
+            <a:schemeClr val="accent1"/>
+          </a:effectRef>
+          <a:fontRef idx="minor">
+            <a:schemeClr val="lt1"/>
+          </a:fontRef>
+        </p:style>
+        <p:txBody>
+          <a:bodyPr rtlCol="0" anchor="ctr"/>
+          <a:lstStyle/>
+          <a:p>
+            <a:pPr algn="ctr"/>
+            <a:endParaRPr lang="en-US" sz="3730"/>
+          </a:p>
+        </p:txBody>
+      </p:sp>
+      <p:cxnSp>
+        <p:nvCxnSpPr>
+          <p:cNvPr id="760" name="Straight Connector 759"/>
+          <p:cNvCxnSpPr/>
+          <p:nvPr/>
+        </p:nvCxnSpPr>
+        <p:spPr>
+          <a:xfrm>
+            <a:off x="7239000" y="3886200"/>
+            <a:ext cx="304800" cy="0"/>
+          </a:xfrm>
+          <a:prstGeom prst="line">
+            <a:avLst/>
+          </a:prstGeom>
+          <a:ln w="12700">
+            <a:solidFill>
+              <a:srgbClr val="000000"/>
+            </a:solidFill>
+            <a:headEnd type="oval" w="med" len="med"/>
+            <a:tailEnd type="none" w="med" len="med"/>
+          </a:ln>
+        </p:spPr>
+        <p:style>
+          <a:lnRef idx="1">
+            <a:schemeClr val="accent1"/>
+          </a:lnRef>
+          <a:fillRef idx="0">
+            <a:schemeClr val="accent1"/>
+          </a:fillRef>
+          <a:effectRef idx="0">
+            <a:schemeClr val="accent1"/>
+          </a:effectRef>
+          <a:fontRef idx="minor">
+            <a:schemeClr val="tx1"/>
+          </a:fontRef>
+        </p:style>
+      </p:cxnSp>
+      <p:cxnSp>
+        <p:nvCxnSpPr>
+          <p:cNvPr id="762" name="Straight Connector 761"/>
+          <p:cNvCxnSpPr/>
+          <p:nvPr/>
+        </p:nvCxnSpPr>
+        <p:spPr>
+          <a:xfrm>
+            <a:off x="6934200" y="3733800"/>
+            <a:ext cx="609600" cy="0"/>
+          </a:xfrm>
+          <a:prstGeom prst="line">
+            <a:avLst/>
+          </a:prstGeom>
+          <a:ln w="12700">
+            <a:solidFill>
+              <a:srgbClr val="000000"/>
+            </a:solidFill>
+            <a:headEnd type="none" w="med" len="med"/>
+            <a:tailEnd type="none" w="med" len="med"/>
+          </a:ln>
+        </p:spPr>
+        <p:style>
+          <a:lnRef idx="1">
+            <a:schemeClr val="accent1"/>
+          </a:lnRef>
+          <a:fillRef idx="0">
+            <a:schemeClr val="accent1"/>
+          </a:fillRef>
+          <a:effectRef idx="0">
+            <a:schemeClr val="accent1"/>
+          </a:effectRef>
+          <a:fontRef idx="minor">
+            <a:schemeClr val="tx1"/>
+          </a:fontRef>
+        </p:style>
+      </p:cxnSp>
+      <p:cxnSp>
+        <p:nvCxnSpPr>
+          <p:cNvPr id="765" name="Straight Connector 764"/>
+          <p:cNvCxnSpPr/>
+          <p:nvPr/>
+        </p:nvCxnSpPr>
+        <p:spPr>
+          <a:xfrm flipV="1">
+            <a:off x="7239000" y="1447800"/>
+            <a:ext cx="0" cy="18364200"/>
+          </a:xfrm>
+          <a:prstGeom prst="line">
+            <a:avLst/>
+          </a:prstGeom>
+          <a:ln w="12700">
+            <a:solidFill>
+              <a:srgbClr val="000000"/>
+            </a:solidFill>
+            <a:headEnd type="none" w="med" len="med"/>
+            <a:tailEnd type="none" w="med" len="med"/>
+          </a:ln>
+        </p:spPr>
+        <p:style>
+          <a:lnRef idx="1">
+            <a:schemeClr val="accent1"/>
+          </a:lnRef>
+          <a:fillRef idx="0">
+            <a:schemeClr val="accent1"/>
+          </a:fillRef>
+          <a:effectRef idx="0">
+            <a:schemeClr val="accent1"/>
+          </a:effectRef>
+          <a:fontRef idx="minor">
+            <a:schemeClr val="tx1"/>
+          </a:fontRef>
+        </p:style>
+      </p:cxnSp>
+      <p:sp>
+        <p:nvSpPr>
+          <p:cNvPr id="767" name="Moon 766"/>
+          <p:cNvSpPr/>
+          <p:nvPr/>
+        </p:nvSpPr>
+        <p:spPr>
+          <a:xfrm rot="10800000">
+            <a:off x="7467600" y="6858000"/>
+            <a:ext cx="304800" cy="304800"/>
+          </a:xfrm>
+          <a:prstGeom prst="moon">
+            <a:avLst>
+              <a:gd name="adj" fmla="val 74720"/>
+            </a:avLst>
+          </a:prstGeom>
+          <a:solidFill>
+            <a:schemeClr val="bg1"/>
+          </a:solidFill>
+          <a:ln w="12700">
+            <a:solidFill>
+              <a:srgbClr val="000000"/>
+            </a:solidFill>
+          </a:ln>
+        </p:spPr>
+        <p:style>
+          <a:lnRef idx="2">
+            <a:schemeClr val="accent1">
+              <a:shade val="50000"/>
+            </a:schemeClr>
+          </a:lnRef>
+          <a:fillRef idx="1">
+            <a:schemeClr val="accent1"/>
+          </a:fillRef>
+          <a:effectRef idx="0">
+            <a:schemeClr val="accent1"/>
+          </a:effectRef>
+          <a:fontRef idx="minor">
+            <a:schemeClr val="lt1"/>
+          </a:fontRef>
+        </p:style>
+        <p:txBody>
+          <a:bodyPr rtlCol="0" anchor="ctr"/>
+          <a:lstStyle/>
+          <a:p>
+            <a:pPr algn="ctr"/>
+            <a:endParaRPr lang="en-US" sz="3730"/>
+          </a:p>
+        </p:txBody>
+      </p:sp>
+      <p:cxnSp>
+        <p:nvCxnSpPr>
+          <p:cNvPr id="768" name="Straight Connector 767"/>
+          <p:cNvCxnSpPr/>
+          <p:nvPr/>
+        </p:nvCxnSpPr>
+        <p:spPr>
+          <a:xfrm>
+            <a:off x="7239000" y="7086600"/>
+            <a:ext cx="304800" cy="0"/>
+          </a:xfrm>
+          <a:prstGeom prst="line">
+            <a:avLst/>
+          </a:prstGeom>
+          <a:ln w="12700">
+            <a:solidFill>
+              <a:srgbClr val="000000"/>
+            </a:solidFill>
+            <a:headEnd type="oval" w="med" len="med"/>
+            <a:tailEnd type="none" w="med" len="med"/>
+          </a:ln>
+        </p:spPr>
+        <p:style>
+          <a:lnRef idx="1">
+            <a:schemeClr val="accent1"/>
+          </a:lnRef>
+          <a:fillRef idx="0">
+            <a:schemeClr val="accent1"/>
+          </a:fillRef>
+          <a:effectRef idx="0">
+            <a:schemeClr val="accent1"/>
+          </a:effectRef>
+          <a:fontRef idx="minor">
+            <a:schemeClr val="tx1"/>
+          </a:fontRef>
+        </p:style>
+      </p:cxnSp>
+      <p:cxnSp>
+        <p:nvCxnSpPr>
+          <p:cNvPr id="771" name="Straight Connector 770"/>
+          <p:cNvCxnSpPr>
+            <a:stCxn id="1120" idx="6"/>
+          </p:cNvCxnSpPr>
+          <p:nvPr/>
+        </p:nvCxnSpPr>
+        <p:spPr>
+          <a:xfrm>
+            <a:off x="6934200" y="6934200"/>
+            <a:ext cx="609600" cy="0"/>
+          </a:xfrm>
+          <a:prstGeom prst="line">
+            <a:avLst/>
+          </a:prstGeom>
+          <a:ln w="12700">
+            <a:solidFill>
+              <a:srgbClr val="000000"/>
+            </a:solidFill>
+            <a:headEnd type="none" w="med" len="med"/>
+            <a:tailEnd type="none" w="med" len="med"/>
+          </a:ln>
+        </p:spPr>
+        <p:style>
+          <a:lnRef idx="1">
+            <a:schemeClr val="accent1"/>
+          </a:lnRef>
+          <a:fillRef idx="0">
+            <a:schemeClr val="accent1"/>
+          </a:fillRef>
+          <a:effectRef idx="0">
+            <a:schemeClr val="accent1"/>
+          </a:effectRef>
+          <a:fontRef idx="minor">
+            <a:schemeClr val="tx1"/>
+          </a:fontRef>
+        </p:style>
+      </p:cxnSp>
+      <p:sp>
+        <p:nvSpPr>
+          <p:cNvPr id="773" name="Moon 772"/>
+          <p:cNvSpPr/>
+          <p:nvPr/>
+        </p:nvSpPr>
+        <p:spPr>
+          <a:xfrm rot="10800000">
+            <a:off x="7467600" y="9296400"/>
+            <a:ext cx="304800" cy="304800"/>
+          </a:xfrm>
+          <a:prstGeom prst="moon">
+            <a:avLst>
+              <a:gd name="adj" fmla="val 74720"/>
+            </a:avLst>
+          </a:prstGeom>
+          <a:solidFill>
+            <a:schemeClr val="bg1"/>
+          </a:solidFill>
+          <a:ln w="12700">
+            <a:solidFill>
+              <a:srgbClr val="000000"/>
+            </a:solidFill>
+          </a:ln>
+        </p:spPr>
+        <p:style>
+          <a:lnRef idx="2">
+            <a:schemeClr val="accent1">
+              <a:shade val="50000"/>
+            </a:schemeClr>
+          </a:lnRef>
+          <a:fillRef idx="1">
+            <a:schemeClr val="accent1"/>
+          </a:fillRef>
+          <a:effectRef idx="0">
+            <a:schemeClr val="accent1"/>
+          </a:effectRef>
+          <a:fontRef idx="minor">
+            <a:schemeClr val="lt1"/>
+          </a:fontRef>
+        </p:style>
+        <p:txBody>
+          <a:bodyPr rtlCol="0" anchor="ctr"/>
+          <a:lstStyle/>
+          <a:p>
+            <a:pPr algn="ctr"/>
+            <a:endParaRPr lang="en-US" sz="3730"/>
+          </a:p>
+        </p:txBody>
+      </p:sp>
+      <p:cxnSp>
+        <p:nvCxnSpPr>
+          <p:cNvPr id="774" name="Straight Connector 773"/>
+          <p:cNvCxnSpPr/>
+          <p:nvPr/>
+        </p:nvCxnSpPr>
+        <p:spPr>
+          <a:xfrm>
+            <a:off x="7239000" y="9525000"/>
+            <a:ext cx="304800" cy="0"/>
+          </a:xfrm>
+          <a:prstGeom prst="line">
+            <a:avLst/>
+          </a:prstGeom>
+          <a:ln w="12700">
+            <a:solidFill>
+              <a:srgbClr val="000000"/>
+            </a:solidFill>
+            <a:headEnd type="oval" w="med" len="med"/>
+            <a:tailEnd type="none" w="med" len="med"/>
+          </a:ln>
+        </p:spPr>
+        <p:style>
+          <a:lnRef idx="1">
+            <a:schemeClr val="accent1"/>
+          </a:lnRef>
+          <a:fillRef idx="0">
+            <a:schemeClr val="accent1"/>
+          </a:fillRef>
+          <a:effectRef idx="0">
+            <a:schemeClr val="accent1"/>
+          </a:effectRef>
+          <a:fontRef idx="minor">
+            <a:schemeClr val="tx1"/>
+          </a:fontRef>
+        </p:style>
+      </p:cxnSp>
+      <p:cxnSp>
+        <p:nvCxnSpPr>
+          <p:cNvPr id="775" name="Straight Connector 774"/>
+          <p:cNvCxnSpPr>
+            <a:stCxn id="1186" idx="6"/>
+          </p:cNvCxnSpPr>
+          <p:nvPr/>
+        </p:nvCxnSpPr>
+        <p:spPr>
+          <a:xfrm>
+            <a:off x="6934200" y="9372600"/>
+            <a:ext cx="609600" cy="0"/>
+          </a:xfrm>
+          <a:prstGeom prst="line">
+            <a:avLst/>
+          </a:prstGeom>
+          <a:ln w="12700">
+            <a:solidFill>
+              <a:srgbClr val="000000"/>
+            </a:solidFill>
+            <a:headEnd type="none" w="med" len="med"/>
+            <a:tailEnd type="none" w="med" len="med"/>
+          </a:ln>
+        </p:spPr>
+        <p:style>
+          <a:lnRef idx="1">
+            <a:schemeClr val="accent1"/>
+          </a:lnRef>
+          <a:fillRef idx="0">
+            <a:schemeClr val="accent1"/>
+          </a:fillRef>
+          <a:effectRef idx="0">
+            <a:schemeClr val="accent1"/>
+          </a:effectRef>
+          <a:fontRef idx="minor">
+            <a:schemeClr val="tx1"/>
+          </a:fontRef>
+        </p:style>
+      </p:cxnSp>
+      <p:sp>
+        <p:nvSpPr>
+          <p:cNvPr id="780" name="Moon 779"/>
+          <p:cNvSpPr/>
+          <p:nvPr/>
+        </p:nvSpPr>
+        <p:spPr>
+          <a:xfrm rot="10800000">
+            <a:off x="7467600" y="12496800"/>
+            <a:ext cx="304800" cy="304800"/>
+          </a:xfrm>
+          <a:prstGeom prst="moon">
+            <a:avLst>
+              <a:gd name="adj" fmla="val 74720"/>
+            </a:avLst>
+          </a:prstGeom>
+          <a:solidFill>
+            <a:schemeClr val="bg1"/>
+          </a:solidFill>
+          <a:ln w="12700">
+            <a:solidFill>
+              <a:srgbClr val="000000"/>
+            </a:solidFill>
+          </a:ln>
+        </p:spPr>
+        <p:style>
+          <a:lnRef idx="2">
+            <a:schemeClr val="accent1">
+              <a:shade val="50000"/>
+            </a:schemeClr>
+          </a:lnRef>
+          <a:fillRef idx="1">
+            <a:schemeClr val="accent1"/>
+          </a:fillRef>
+          <a:effectRef idx="0">
+            <a:schemeClr val="accent1"/>
+          </a:effectRef>
+          <a:fontRef idx="minor">
+            <a:schemeClr val="lt1"/>
+          </a:fontRef>
+        </p:style>
+        <p:txBody>
+          <a:bodyPr rtlCol="0" anchor="ctr"/>
+          <a:lstStyle/>
+          <a:p>
+            <a:pPr algn="ctr"/>
+            <a:endParaRPr lang="en-US" sz="3730"/>
+          </a:p>
+        </p:txBody>
+      </p:sp>
+      <p:cxnSp>
+        <p:nvCxnSpPr>
+          <p:cNvPr id="781" name="Straight Connector 780"/>
+          <p:cNvCxnSpPr/>
+          <p:nvPr/>
+        </p:nvCxnSpPr>
+        <p:spPr>
+          <a:xfrm>
+            <a:off x="7239000" y="12725400"/>
+            <a:ext cx="304800" cy="0"/>
+          </a:xfrm>
+          <a:prstGeom prst="line">
+            <a:avLst/>
+          </a:prstGeom>
+          <a:ln w="12700">
+            <a:solidFill>
+              <a:srgbClr val="000000"/>
+            </a:solidFill>
+            <a:headEnd type="oval" w="med" len="med"/>
+            <a:tailEnd type="none" w="med" len="med"/>
+          </a:ln>
+        </p:spPr>
+        <p:style>
+          <a:lnRef idx="1">
+            <a:schemeClr val="accent1"/>
+          </a:lnRef>
+          <a:fillRef idx="0">
+            <a:schemeClr val="accent1"/>
+          </a:fillRef>
+          <a:effectRef idx="0">
+            <a:schemeClr val="accent1"/>
+          </a:effectRef>
+          <a:fontRef idx="minor">
+            <a:schemeClr val="tx1"/>
+          </a:fontRef>
+        </p:style>
+      </p:cxnSp>
+      <p:cxnSp>
+        <p:nvCxnSpPr>
+          <p:cNvPr id="782" name="Straight Connector 781"/>
+          <p:cNvCxnSpPr/>
+          <p:nvPr/>
+        </p:nvCxnSpPr>
+        <p:spPr>
+          <a:xfrm>
+            <a:off x="6934200" y="12573000"/>
+            <a:ext cx="609600" cy="0"/>
+          </a:xfrm>
+          <a:prstGeom prst="line">
+            <a:avLst/>
+          </a:prstGeom>
+          <a:ln w="12700">
+            <a:solidFill>
+              <a:srgbClr val="000000"/>
+            </a:solidFill>
+            <a:headEnd type="none" w="med" len="med"/>
+            <a:tailEnd type="none" w="med" len="med"/>
+          </a:ln>
+        </p:spPr>
+        <p:style>
+          <a:lnRef idx="1">
+            <a:schemeClr val="accent1"/>
+          </a:lnRef>
+          <a:fillRef idx="0">
+            <a:schemeClr val="accent1"/>
+          </a:fillRef>
+          <a:effectRef idx="0">
+            <a:schemeClr val="accent1"/>
+          </a:effectRef>
+          <a:fontRef idx="minor">
+            <a:schemeClr val="tx1"/>
+          </a:fontRef>
+        </p:style>
+      </p:cxnSp>
+      <p:sp>
+        <p:nvSpPr>
+          <p:cNvPr id="786" name="Moon 785"/>
+          <p:cNvSpPr/>
+          <p:nvPr/>
+        </p:nvSpPr>
+        <p:spPr>
+          <a:xfrm rot="10800000">
+            <a:off x="7467600" y="15697200"/>
+            <a:ext cx="304800" cy="304800"/>
+          </a:xfrm>
+          <a:prstGeom prst="moon">
+            <a:avLst>
+              <a:gd name="adj" fmla="val 74720"/>
+            </a:avLst>
+          </a:prstGeom>
+          <a:solidFill>
+            <a:schemeClr val="bg1"/>
+          </a:solidFill>
+          <a:ln w="12700">
+            <a:solidFill>
+              <a:srgbClr val="000000"/>
+            </a:solidFill>
+          </a:ln>
+        </p:spPr>
+        <p:style>
+          <a:lnRef idx="2">
+            <a:schemeClr val="accent1">
+              <a:shade val="50000"/>
+            </a:schemeClr>
+          </a:lnRef>
+          <a:fillRef idx="1">
+            <a:schemeClr val="accent1"/>
+          </a:fillRef>
+          <a:effectRef idx="0">
+            <a:schemeClr val="accent1"/>
+          </a:effectRef>
+          <a:fontRef idx="minor">
+            <a:schemeClr val="lt1"/>
+          </a:fontRef>
+        </p:style>
+        <p:txBody>
+          <a:bodyPr rtlCol="0" anchor="ctr"/>
+          <a:lstStyle/>
+          <a:p>
+            <a:pPr algn="ctr"/>
+            <a:endParaRPr lang="en-US" sz="3730"/>
+          </a:p>
+        </p:txBody>
+      </p:sp>
+      <p:cxnSp>
+        <p:nvCxnSpPr>
+          <p:cNvPr id="787" name="Straight Connector 786"/>
+          <p:cNvCxnSpPr/>
+          <p:nvPr/>
+        </p:nvCxnSpPr>
+        <p:spPr>
+          <a:xfrm>
+            <a:off x="7239000" y="15925800"/>
+            <a:ext cx="304800" cy="0"/>
+          </a:xfrm>
+          <a:prstGeom prst="line">
+            <a:avLst/>
+          </a:prstGeom>
+          <a:ln w="12700">
+            <a:solidFill>
+              <a:srgbClr val="000000"/>
+            </a:solidFill>
+            <a:headEnd type="oval" w="med" len="med"/>
+            <a:tailEnd type="none" w="med" len="med"/>
+          </a:ln>
+        </p:spPr>
+        <p:style>
+          <a:lnRef idx="1">
+            <a:schemeClr val="accent1"/>
+          </a:lnRef>
+          <a:fillRef idx="0">
+            <a:schemeClr val="accent1"/>
+          </a:fillRef>
+          <a:effectRef idx="0">
+            <a:schemeClr val="accent1"/>
+          </a:effectRef>
+          <a:fontRef idx="minor">
+            <a:schemeClr val="tx1"/>
+          </a:fontRef>
+        </p:style>
+      </p:cxnSp>
+      <p:cxnSp>
+        <p:nvCxnSpPr>
+          <p:cNvPr id="788" name="Straight Connector 787"/>
+          <p:cNvCxnSpPr/>
+          <p:nvPr/>
+        </p:nvCxnSpPr>
+        <p:spPr>
+          <a:xfrm>
+            <a:off x="6934200" y="15773400"/>
+            <a:ext cx="609600" cy="0"/>
+          </a:xfrm>
+          <a:prstGeom prst="line">
+            <a:avLst/>
+          </a:prstGeom>
+          <a:ln w="12700">
+            <a:solidFill>
+              <a:srgbClr val="000000"/>
+            </a:solidFill>
+            <a:headEnd type="none" w="med" len="med"/>
+            <a:tailEnd type="none" w="med" len="med"/>
+          </a:ln>
+        </p:spPr>
+        <p:style>
+          <a:lnRef idx="1">
+            <a:schemeClr val="accent1"/>
+          </a:lnRef>
+          <a:fillRef idx="0">
+            <a:schemeClr val="accent1"/>
+          </a:fillRef>
+          <a:effectRef idx="0">
+            <a:schemeClr val="accent1"/>
+          </a:effectRef>
+          <a:fontRef idx="minor">
+            <a:schemeClr val="tx1"/>
+          </a:fontRef>
+        </p:style>
+      </p:cxnSp>
+      <p:sp>
+        <p:nvSpPr>
+          <p:cNvPr id="797" name="Moon 796"/>
+          <p:cNvSpPr/>
+          <p:nvPr/>
+        </p:nvSpPr>
+        <p:spPr>
+          <a:xfrm rot="10800000">
+            <a:off x="7467600" y="18135600"/>
+            <a:ext cx="304800" cy="304800"/>
+          </a:xfrm>
+          <a:prstGeom prst="moon">
+            <a:avLst>
+              <a:gd name="adj" fmla="val 74720"/>
+            </a:avLst>
+          </a:prstGeom>
+          <a:solidFill>
+            <a:schemeClr val="bg1"/>
+          </a:solidFill>
+          <a:ln w="12700">
+            <a:solidFill>
+              <a:srgbClr val="000000"/>
+            </a:solidFill>
+          </a:ln>
+        </p:spPr>
+        <p:style>
+          <a:lnRef idx="2">
+            <a:schemeClr val="accent1">
+              <a:shade val="50000"/>
+            </a:schemeClr>
+          </a:lnRef>
+          <a:fillRef idx="1">
+            <a:schemeClr val="accent1"/>
+          </a:fillRef>
+          <a:effectRef idx="0">
+            <a:schemeClr val="accent1"/>
+          </a:effectRef>
+          <a:fontRef idx="minor">
+            <a:schemeClr val="lt1"/>
+          </a:fontRef>
+        </p:style>
+        <p:txBody>
+          <a:bodyPr rtlCol="0" anchor="ctr"/>
+          <a:lstStyle/>
+          <a:p>
+            <a:pPr algn="ctr"/>
+            <a:endParaRPr lang="en-US" sz="3730"/>
+          </a:p>
+        </p:txBody>
+      </p:sp>
+      <p:cxnSp>
+        <p:nvCxnSpPr>
+          <p:cNvPr id="798" name="Straight Connector 797"/>
+          <p:cNvCxnSpPr/>
+          <p:nvPr/>
+        </p:nvCxnSpPr>
+        <p:spPr>
+          <a:xfrm>
+            <a:off x="7239000" y="18364200"/>
+            <a:ext cx="304800" cy="0"/>
+          </a:xfrm>
+          <a:prstGeom prst="line">
+            <a:avLst/>
+          </a:prstGeom>
+          <a:ln w="12700">
+            <a:solidFill>
+              <a:srgbClr val="000000"/>
+            </a:solidFill>
+            <a:headEnd type="oval" w="med" len="med"/>
+            <a:tailEnd type="none" w="med" len="med"/>
+          </a:ln>
+        </p:spPr>
+        <p:style>
+          <a:lnRef idx="1">
+            <a:schemeClr val="accent1"/>
+          </a:lnRef>
+          <a:fillRef idx="0">
+            <a:schemeClr val="accent1"/>
+          </a:fillRef>
+          <a:effectRef idx="0">
+            <a:schemeClr val="accent1"/>
+          </a:effectRef>
+          <a:fontRef idx="minor">
+            <a:schemeClr val="tx1"/>
+          </a:fontRef>
+        </p:style>
+      </p:cxnSp>
+      <p:cxnSp>
+        <p:nvCxnSpPr>
+          <p:cNvPr id="799" name="Straight Connector 798"/>
+          <p:cNvCxnSpPr/>
+          <p:nvPr/>
+        </p:nvCxnSpPr>
+        <p:spPr>
+          <a:xfrm>
+            <a:off x="6934200" y="18211800"/>
+            <a:ext cx="609600" cy="0"/>
+          </a:xfrm>
+          <a:prstGeom prst="line">
+            <a:avLst/>
+          </a:prstGeom>
+          <a:ln w="12700">
+            <a:solidFill>
+              <a:srgbClr val="000000"/>
+            </a:solidFill>
+            <a:headEnd type="none" w="med" len="med"/>
+            <a:tailEnd type="none" w="med" len="med"/>
+          </a:ln>
+        </p:spPr>
+        <p:style>
+          <a:lnRef idx="1">
+            <a:schemeClr val="accent1"/>
+          </a:lnRef>
+          <a:fillRef idx="0">
+            <a:schemeClr val="accent1"/>
+          </a:fillRef>
+          <a:effectRef idx="0">
+            <a:schemeClr val="accent1"/>
+          </a:effectRef>
+          <a:fontRef idx="minor">
+            <a:schemeClr val="tx1"/>
+          </a:fontRef>
+        </p:style>
+      </p:cxnSp>
+      <p:sp>
+        <p:nvSpPr>
+          <p:cNvPr id="804" name="Pentagon 803"/>
+          <p:cNvSpPr/>
+          <p:nvPr/>
+        </p:nvSpPr>
+        <p:spPr>
+          <a:xfrm>
+            <a:off x="609600" y="19735800"/>
+            <a:ext cx="228600" cy="152400"/>
+          </a:xfrm>
+          <a:prstGeom prst="homePlate">
+            <a:avLst/>
+          </a:prstGeom>
+          <a:noFill/>
+          <a:ln w="12700">
+            <a:solidFill>
+              <a:schemeClr val="tx1"/>
+            </a:solidFill>
+          </a:ln>
+        </p:spPr>
+        <p:style>
+          <a:lnRef idx="2">
+            <a:schemeClr val="accent1">
+              <a:shade val="50000"/>
+            </a:schemeClr>
+          </a:lnRef>
+          <a:fillRef idx="1">
+            <a:schemeClr val="accent1"/>
+          </a:fillRef>
+          <a:effectRef idx="0">
+            <a:schemeClr val="accent1"/>
+          </a:effectRef>
+          <a:fontRef idx="minor">
+            <a:schemeClr val="lt1"/>
+          </a:fontRef>
+        </p:style>
+        <p:txBody>
+          <a:bodyPr rot="0" spcFirstLastPara="0" vertOverflow="overflow" horzOverflow="overflow" vert="horz" wrap="square" lIns="91440" tIns="45720" rIns="91440" bIns="45720" numCol="1" spcCol="0" rtlCol="0" fromWordArt="0" anchor="ctr" anchorCtr="0" forceAA="0" compatLnSpc="1">
+            <a:prstTxWarp prst="textNoShape">
+              <a:avLst/>
+            </a:prstTxWarp>
+            <a:noAutofit/>
+          </a:bodyPr>
+          <a:lstStyle/>
+          <a:p>
+            <a:pPr algn="ctr"/>
+            <a:endParaRPr lang="en-US" sz="3730"/>
+          </a:p>
+        </p:txBody>
+      </p:sp>
+      <p:cxnSp>
+        <p:nvCxnSpPr>
+          <p:cNvPr id="805" name="Straight Connector 804"/>
+          <p:cNvCxnSpPr/>
+          <p:nvPr/>
+        </p:nvCxnSpPr>
+        <p:spPr>
+          <a:xfrm flipV="1">
+            <a:off x="914400" y="19735800"/>
+            <a:ext cx="152400" cy="152400"/>
+          </a:xfrm>
+          <a:prstGeom prst="line">
+            <a:avLst/>
+          </a:prstGeom>
+          <a:ln w="12700">
+            <a:solidFill>
+              <a:srgbClr val="000000"/>
+            </a:solidFill>
+            <a:headEnd type="none" w="med" len="med"/>
+            <a:tailEnd type="none" w="med" len="med"/>
+          </a:ln>
+        </p:spPr>
+        <p:style>
+          <a:lnRef idx="1">
+            <a:schemeClr val="accent1"/>
+          </a:lnRef>
+          <a:fillRef idx="0">
+            <a:schemeClr val="accent1"/>
+          </a:fillRef>
+          <a:effectRef idx="0">
+            <a:schemeClr val="accent1"/>
+          </a:effectRef>
+          <a:fontRef idx="minor">
+            <a:schemeClr val="tx1"/>
+          </a:fontRef>
+        </p:style>
+      </p:cxnSp>
+      <p:sp>
+        <p:nvSpPr>
+          <p:cNvPr id="806" name="Rectangle 805"/>
+          <p:cNvSpPr/>
+          <p:nvPr/>
+        </p:nvSpPr>
+        <p:spPr>
+          <a:xfrm>
+            <a:off x="914400" y="19659600"/>
+            <a:ext cx="152400" cy="76200"/>
+          </a:xfrm>
+          <a:prstGeom prst="rect">
+            <a:avLst/>
+          </a:prstGeom>
+          <a:noFill/>
+          <a:ln>
+            <a:noFill/>
+          </a:ln>
+        </p:spPr>
+        <p:style>
+          <a:lnRef idx="2">
+            <a:schemeClr val="accent1">
+              <a:shade val="50000"/>
+            </a:schemeClr>
+          </a:lnRef>
+          <a:fillRef idx="1">
+            <a:schemeClr val="accent1"/>
+          </a:fillRef>
+          <a:effectRef idx="0">
+            <a:schemeClr val="accent1"/>
+          </a:effectRef>
+          <a:fontRef idx="minor">
+            <a:schemeClr val="lt1"/>
+          </a:fontRef>
+        </p:style>
+        <p:txBody>
+          <a:bodyPr wrap="none" lIns="45720" rIns="45720" rtlCol="0" anchor="ctr"/>
+          <a:lstStyle/>
+          <a:p>
+            <a:pPr algn="ctr"/>
+            <a:r>
+              <a:rPr lang="en-US" sz="900" dirty="0">
+                <a:solidFill>
+                  <a:srgbClr val="000000"/>
+                </a:solidFill>
+                <a:latin typeface="Courier New" panose="02070309020205020404" pitchFamily="49" charset="0"/>
+                <a:cs typeface="Courier New" panose="02070309020205020404" pitchFamily="49" charset="0"/>
+              </a:rPr>
+              <a:t>1</a:t>
+            </a:r>
+          </a:p>
+        </p:txBody>
+      </p:sp>
+      <p:sp>
+        <p:nvSpPr>
+          <p:cNvPr id="807" name="Rectangle 806"/>
+          <p:cNvSpPr/>
+          <p:nvPr/>
+        </p:nvSpPr>
+        <p:spPr>
+          <a:xfrm>
+            <a:off x="1143000" y="19659600"/>
+            <a:ext cx="457200" cy="152400"/>
+          </a:xfrm>
+          <a:prstGeom prst="rect">
+            <a:avLst/>
+          </a:prstGeom>
+          <a:noFill/>
+          <a:ln>
+            <a:noFill/>
+          </a:ln>
+        </p:spPr>
+        <p:style>
+          <a:lnRef idx="2">
+            <a:schemeClr val="accent1">
+              <a:shade val="50000"/>
+            </a:schemeClr>
+          </a:lnRef>
+          <a:fillRef idx="1">
+            <a:schemeClr val="accent1"/>
+          </a:fillRef>
+          <a:effectRef idx="0">
+            <a:schemeClr val="accent1"/>
+          </a:effectRef>
+          <a:fontRef idx="minor">
+            <a:schemeClr val="lt1"/>
+          </a:fontRef>
+        </p:style>
+        <p:txBody>
+          <a:bodyPr wrap="none" lIns="45720" rIns="45720" rtlCol="0" anchor="ctr"/>
+          <a:lstStyle/>
+          <a:p>
+            <a:r>
+              <a:rPr lang="en-US" sz="900" dirty="0" smtClean="0">
+                <a:solidFill>
+                  <a:srgbClr val="000000"/>
+                </a:solidFill>
+                <a:latin typeface="Courier New" panose="02070309020205020404" pitchFamily="49" charset="0"/>
+                <a:cs typeface="Courier New" panose="02070309020205020404" pitchFamily="49" charset="0"/>
+              </a:rPr>
+              <a:t>CLR</a:t>
+            </a:r>
+            <a:endParaRPr lang="en-US" sz="900" dirty="0">
+              <a:solidFill>
+                <a:srgbClr val="000000"/>
+              </a:solidFill>
+              <a:latin typeface="Courier New" panose="02070309020205020404" pitchFamily="49" charset="0"/>
+              <a:cs typeface="Courier New" panose="02070309020205020404" pitchFamily="49" charset="0"/>
+            </a:endParaRPr>
+          </a:p>
+        </p:txBody>
+      </p:sp>
+      <p:cxnSp>
+        <p:nvCxnSpPr>
+          <p:cNvPr id="808" name="Straight Connector 807"/>
+          <p:cNvCxnSpPr>
+            <a:stCxn id="804" idx="3"/>
+          </p:cNvCxnSpPr>
+          <p:nvPr/>
+        </p:nvCxnSpPr>
+        <p:spPr>
+          <a:xfrm>
+            <a:off x="838200" y="19812000"/>
+            <a:ext cx="6400800" cy="0"/>
+          </a:xfrm>
+          <a:prstGeom prst="line">
+            <a:avLst/>
+          </a:prstGeom>
+          <a:ln w="12700">
+            <a:solidFill>
+              <a:srgbClr val="000000"/>
+            </a:solidFill>
+            <a:headEnd type="none" w="med" len="med"/>
+            <a:tailEnd type="none" w="med" len="med"/>
+          </a:ln>
+        </p:spPr>
+        <p:style>
+          <a:lnRef idx="1">
+            <a:schemeClr val="accent1"/>
+          </a:lnRef>
+          <a:fillRef idx="0">
+            <a:schemeClr val="accent1"/>
+          </a:fillRef>
+          <a:effectRef idx="0">
+            <a:schemeClr val="accent1"/>
+          </a:effectRef>
+          <a:fontRef idx="minor">
+            <a:schemeClr val="tx1"/>
+          </a:fontRef>
+        </p:style>
+      </p:cxnSp>
     </p:spTree>
     <p:extLst>
       <p:ext uri="{BB962C8B-B14F-4D97-AF65-F5344CB8AC3E}">

--- a/0090_ber/rtl/schematic/stimulus.pptx
+++ b/0090_ber/rtl/schematic/stimulus.pptx
@@ -8897,8 +8897,8 @@
         </p:nvCxnSpPr>
         <p:spPr>
           <a:xfrm flipV="1">
-            <a:off x="7924800" y="1981200"/>
-            <a:ext cx="0" cy="19278600"/>
+            <a:off x="7924800" y="1905000"/>
+            <a:ext cx="0" cy="19354800"/>
           </a:xfrm>
           <a:prstGeom prst="line">
             <a:avLst/>
